--- a/Leitura_e_Aprendizagem/Matemática/Aritmetica/Subtracao/0011_RESOLVENDO_EXERCÍCIOS_DE_SUBTRAÇÃO_COM_UNIDADES_APLICANDO_AS_REGRAS.pptx
+++ b/Leitura_e_Aprendizagem/Matemática/Aritmetica/Subtracao/0011_RESOLVENDO_EXERCÍCIOS_DE_SUBTRAÇÃO_COM_UNIDADES_APLICANDO_AS_REGRAS.pptx
@@ -257,7 +257,7 @@
           <a:p>
             <a:fld id="{8E16BBD4-8911-4A0F-AA6A-6D6D8349903B}" type="datetimeFigureOut">
               <a:rPr lang="pt-BR" smtClean="0"/>
-              <a:t>10/08/2020</a:t>
+              <a:t>16/08/2020</a:t>
             </a:fld>
             <a:endParaRPr lang="pt-BR"/>
           </a:p>
@@ -1841,7 +1841,7 @@
             <a:fld id="{F8BDB6AA-63F8-4F31-8EA3-CB6FE8D9515C}" type="datetimeFigureOut">
               <a:rPr lang="pt-BR" smtClean="0"/>
               <a:pPr/>
-              <a:t>10/08/2020</a:t>
+              <a:t>16/08/2020</a:t>
             </a:fld>
             <a:endParaRPr lang="pt-BR"/>
           </a:p>
@@ -2013,7 +2013,7 @@
             <a:fld id="{F8BDB6AA-63F8-4F31-8EA3-CB6FE8D9515C}" type="datetimeFigureOut">
               <a:rPr lang="pt-BR" smtClean="0"/>
               <a:pPr/>
-              <a:t>10/08/2020</a:t>
+              <a:t>16/08/2020</a:t>
             </a:fld>
             <a:endParaRPr lang="pt-BR"/>
           </a:p>
@@ -2195,7 +2195,7 @@
             <a:fld id="{F8BDB6AA-63F8-4F31-8EA3-CB6FE8D9515C}" type="datetimeFigureOut">
               <a:rPr lang="pt-BR" smtClean="0"/>
               <a:pPr/>
-              <a:t>10/08/2020</a:t>
+              <a:t>16/08/2020</a:t>
             </a:fld>
             <a:endParaRPr lang="pt-BR"/>
           </a:p>
@@ -2367,7 +2367,7 @@
             <a:fld id="{F8BDB6AA-63F8-4F31-8EA3-CB6FE8D9515C}" type="datetimeFigureOut">
               <a:rPr lang="pt-BR" smtClean="0"/>
               <a:pPr/>
-              <a:t>10/08/2020</a:t>
+              <a:t>16/08/2020</a:t>
             </a:fld>
             <a:endParaRPr lang="pt-BR"/>
           </a:p>
@@ -2615,7 +2615,7 @@
             <a:fld id="{F8BDB6AA-63F8-4F31-8EA3-CB6FE8D9515C}" type="datetimeFigureOut">
               <a:rPr lang="pt-BR" smtClean="0"/>
               <a:pPr/>
-              <a:t>10/08/2020</a:t>
+              <a:t>16/08/2020</a:t>
             </a:fld>
             <a:endParaRPr lang="pt-BR"/>
           </a:p>
@@ -2849,7 +2849,7 @@
             <a:fld id="{F8BDB6AA-63F8-4F31-8EA3-CB6FE8D9515C}" type="datetimeFigureOut">
               <a:rPr lang="pt-BR" smtClean="0"/>
               <a:pPr/>
-              <a:t>10/08/2020</a:t>
+              <a:t>16/08/2020</a:t>
             </a:fld>
             <a:endParaRPr lang="pt-BR"/>
           </a:p>
@@ -3218,7 +3218,7 @@
             <a:fld id="{F8BDB6AA-63F8-4F31-8EA3-CB6FE8D9515C}" type="datetimeFigureOut">
               <a:rPr lang="pt-BR" smtClean="0"/>
               <a:pPr/>
-              <a:t>10/08/2020</a:t>
+              <a:t>16/08/2020</a:t>
             </a:fld>
             <a:endParaRPr lang="pt-BR"/>
           </a:p>
@@ -3338,7 +3338,7 @@
             <a:fld id="{F8BDB6AA-63F8-4F31-8EA3-CB6FE8D9515C}" type="datetimeFigureOut">
               <a:rPr lang="pt-BR" smtClean="0"/>
               <a:pPr/>
-              <a:t>10/08/2020</a:t>
+              <a:t>16/08/2020</a:t>
             </a:fld>
             <a:endParaRPr lang="pt-BR"/>
           </a:p>
@@ -3435,7 +3435,7 @@
             <a:fld id="{F8BDB6AA-63F8-4F31-8EA3-CB6FE8D9515C}" type="datetimeFigureOut">
               <a:rPr lang="pt-BR" smtClean="0"/>
               <a:pPr/>
-              <a:t>10/08/2020</a:t>
+              <a:t>16/08/2020</a:t>
             </a:fld>
             <a:endParaRPr lang="pt-BR"/>
           </a:p>
@@ -3714,7 +3714,7 @@
             <a:fld id="{F8BDB6AA-63F8-4F31-8EA3-CB6FE8D9515C}" type="datetimeFigureOut">
               <a:rPr lang="pt-BR" smtClean="0"/>
               <a:pPr/>
-              <a:t>10/08/2020</a:t>
+              <a:t>16/08/2020</a:t>
             </a:fld>
             <a:endParaRPr lang="pt-BR"/>
           </a:p>
@@ -3973,7 +3973,7 @@
             <a:fld id="{F8BDB6AA-63F8-4F31-8EA3-CB6FE8D9515C}" type="datetimeFigureOut">
               <a:rPr lang="pt-BR" smtClean="0"/>
               <a:pPr/>
-              <a:t>10/08/2020</a:t>
+              <a:t>16/08/2020</a:t>
             </a:fld>
             <a:endParaRPr lang="pt-BR"/>
           </a:p>
@@ -4197,7 +4197,7 @@
             <a:fld id="{F8BDB6AA-63F8-4F31-8EA3-CB6FE8D9515C}" type="datetimeFigureOut">
               <a:rPr lang="pt-BR" smtClean="0"/>
               <a:pPr/>
-              <a:t>10/08/2020</a:t>
+              <a:t>16/08/2020</a:t>
             </a:fld>
             <a:endParaRPr lang="pt-BR"/>
           </a:p>
@@ -4611,7 +4611,7 @@
           <p:cNvPr id="3" name="Picture 2">
             <a:extLst>
               <a:ext uri="{FF2B5EF4-FFF2-40B4-BE49-F238E27FC236}">
-                <a16:creationId xmlns:a16="http://schemas.microsoft.com/office/drawing/2014/main" xmlns="" id="{E29F6CCA-CAE7-4F41-889D-5CCF9F0514DD}"/>
+                <a16:creationId xmlns="" xmlns:a16="http://schemas.microsoft.com/office/drawing/2014/main" id="{E29F6CCA-CAE7-4F41-889D-5CCF9F0514DD}"/>
               </a:ext>
             </a:extLst>
           </p:cNvPr>
@@ -4647,7 +4647,7 @@
           <p:cNvPr id="14" name="Rectangle 13">
             <a:extLst>
               <a:ext uri="{FF2B5EF4-FFF2-40B4-BE49-F238E27FC236}">
-                <a16:creationId xmlns:a16="http://schemas.microsoft.com/office/drawing/2014/main" xmlns="" id="{52670CB7-6F96-4BDF-AF66-75B2EA21419B}"/>
+                <a16:creationId xmlns="" xmlns:a16="http://schemas.microsoft.com/office/drawing/2014/main" id="{52670CB7-6F96-4BDF-AF66-75B2EA21419B}"/>
               </a:ext>
             </a:extLst>
           </p:cNvPr>
@@ -4981,7 +4981,7 @@
           <p:cNvPr id="5" name="Rectangle 4">
             <a:extLst>
               <a:ext uri="{FF2B5EF4-FFF2-40B4-BE49-F238E27FC236}">
-                <a16:creationId xmlns:a16="http://schemas.microsoft.com/office/drawing/2014/main" xmlns="" id="{6B3D22E0-3304-47C3-A13D-F3314EEBFA56}"/>
+                <a16:creationId xmlns="" xmlns:a16="http://schemas.microsoft.com/office/drawing/2014/main" id="{6B3D22E0-3304-47C3-A13D-F3314EEBFA56}"/>
               </a:ext>
             </a:extLst>
           </p:cNvPr>
@@ -5065,7 +5065,7 @@
           <p:cNvPr id="14" name="Arrow: Right 13">
             <a:extLst>
               <a:ext uri="{FF2B5EF4-FFF2-40B4-BE49-F238E27FC236}">
-                <a16:creationId xmlns:a16="http://schemas.microsoft.com/office/drawing/2014/main" xmlns="" id="{796CEA44-310B-44B9-9452-370144CD966E}"/>
+                <a16:creationId xmlns="" xmlns:a16="http://schemas.microsoft.com/office/drawing/2014/main" id="{796CEA44-310B-44B9-9452-370144CD966E}"/>
               </a:ext>
             </a:extLst>
           </p:cNvPr>
@@ -5119,7 +5119,7 @@
           <p:cNvPr id="13" name="Rectangle 12">
             <a:extLst>
               <a:ext uri="{FF2B5EF4-FFF2-40B4-BE49-F238E27FC236}">
-                <a16:creationId xmlns:a16="http://schemas.microsoft.com/office/drawing/2014/main" xmlns="" id="{10403570-33C6-4D52-8ECF-EC0A6BFC6193}"/>
+                <a16:creationId xmlns="" xmlns:a16="http://schemas.microsoft.com/office/drawing/2014/main" id="{10403570-33C6-4D52-8ECF-EC0A6BFC6193}"/>
               </a:ext>
             </a:extLst>
           </p:cNvPr>
@@ -5402,7 +5402,7 @@
           <p:cNvPr id="17" name="Rectangle 16">
             <a:extLst>
               <a:ext uri="{FF2B5EF4-FFF2-40B4-BE49-F238E27FC236}">
-                <a16:creationId xmlns:a16="http://schemas.microsoft.com/office/drawing/2014/main" xmlns="" id="{020A49D6-E5FF-4E4D-958D-0C4AE40BDB69}"/>
+                <a16:creationId xmlns="" xmlns:a16="http://schemas.microsoft.com/office/drawing/2014/main" id="{020A49D6-E5FF-4E4D-958D-0C4AE40BDB69}"/>
               </a:ext>
             </a:extLst>
           </p:cNvPr>
@@ -5508,7 +5508,7 @@
           <p:cNvPr id="5" name="Rectangle 4">
             <a:extLst>
               <a:ext uri="{FF2B5EF4-FFF2-40B4-BE49-F238E27FC236}">
-                <a16:creationId xmlns:a16="http://schemas.microsoft.com/office/drawing/2014/main" xmlns="" id="{6B3D22E0-3304-47C3-A13D-F3314EEBFA56}"/>
+                <a16:creationId xmlns="" xmlns:a16="http://schemas.microsoft.com/office/drawing/2014/main" id="{6B3D22E0-3304-47C3-A13D-F3314EEBFA56}"/>
               </a:ext>
             </a:extLst>
           </p:cNvPr>
@@ -5592,7 +5592,7 @@
           <p:cNvPr id="8" name="Rectangle 7">
             <a:extLst>
               <a:ext uri="{FF2B5EF4-FFF2-40B4-BE49-F238E27FC236}">
-                <a16:creationId xmlns:a16="http://schemas.microsoft.com/office/drawing/2014/main" xmlns="" id="{9A0DF3A1-7C0C-4F2B-AC19-D85A14774D75}"/>
+                <a16:creationId xmlns="" xmlns:a16="http://schemas.microsoft.com/office/drawing/2014/main" id="{9A0DF3A1-7C0C-4F2B-AC19-D85A14774D75}"/>
               </a:ext>
             </a:extLst>
           </p:cNvPr>
@@ -5665,7 +5665,7 @@
           <p:cNvPr id="9" name="Oval 8">
             <a:extLst>
               <a:ext uri="{FF2B5EF4-FFF2-40B4-BE49-F238E27FC236}">
-                <a16:creationId xmlns:a16="http://schemas.microsoft.com/office/drawing/2014/main" xmlns="" id="{72159732-2FD7-40C3-847F-C64BA2CBCD04}"/>
+                <a16:creationId xmlns="" xmlns:a16="http://schemas.microsoft.com/office/drawing/2014/main" id="{72159732-2FD7-40C3-847F-C64BA2CBCD04}"/>
               </a:ext>
             </a:extLst>
           </p:cNvPr>
@@ -5711,7 +5711,7 @@
           <p:cNvPr id="11" name="Rectangle 10">
             <a:extLst>
               <a:ext uri="{FF2B5EF4-FFF2-40B4-BE49-F238E27FC236}">
-                <a16:creationId xmlns:a16="http://schemas.microsoft.com/office/drawing/2014/main" xmlns="" id="{6E5DEFFA-7194-4F73-A87C-EAC51F65A74A}"/>
+                <a16:creationId xmlns="" xmlns:a16="http://schemas.microsoft.com/office/drawing/2014/main" id="{6E5DEFFA-7194-4F73-A87C-EAC51F65A74A}"/>
               </a:ext>
             </a:extLst>
           </p:cNvPr>
@@ -5789,7 +5789,7 @@
           <p:cNvPr id="12" name="Rectangle 11">
             <a:extLst>
               <a:ext uri="{FF2B5EF4-FFF2-40B4-BE49-F238E27FC236}">
-                <a16:creationId xmlns:a16="http://schemas.microsoft.com/office/drawing/2014/main" xmlns="" id="{90D7CBB2-7C4B-4A5B-AD24-C294E37161CB}"/>
+                <a16:creationId xmlns="" xmlns:a16="http://schemas.microsoft.com/office/drawing/2014/main" id="{90D7CBB2-7C4B-4A5B-AD24-C294E37161CB}"/>
               </a:ext>
             </a:extLst>
           </p:cNvPr>
@@ -5849,7 +5849,7 @@
           <p:cNvPr id="13" name="Table 12">
             <a:extLst>
               <a:ext uri="{FF2B5EF4-FFF2-40B4-BE49-F238E27FC236}">
-                <a16:creationId xmlns:a16="http://schemas.microsoft.com/office/drawing/2014/main" xmlns="" id="{9B0F7DF4-72A9-4AA6-A24C-EB98E6574144}"/>
+                <a16:creationId xmlns="" xmlns:a16="http://schemas.microsoft.com/office/drawing/2014/main" id="{9B0F7DF4-72A9-4AA6-A24C-EB98E6574144}"/>
               </a:ext>
             </a:extLst>
           </p:cNvPr>
@@ -5878,28 +5878,28 @@
                 <a:gridCol w="834080">
                   <a:extLst>
                     <a:ext uri="{9D8B030D-6E8A-4147-A177-3AD203B41FA5}">
-                      <a16:colId xmlns:a16="http://schemas.microsoft.com/office/drawing/2014/main" xmlns="" val="2514592082"/>
+                      <a16:colId xmlns="" xmlns:a16="http://schemas.microsoft.com/office/drawing/2014/main" val="2514592082"/>
                     </a:ext>
                   </a:extLst>
                 </a:gridCol>
                 <a:gridCol w="834080">
                   <a:extLst>
                     <a:ext uri="{9D8B030D-6E8A-4147-A177-3AD203B41FA5}">
-                      <a16:colId xmlns:a16="http://schemas.microsoft.com/office/drawing/2014/main" xmlns="" val="1972351707"/>
+                      <a16:colId xmlns="" xmlns:a16="http://schemas.microsoft.com/office/drawing/2014/main" val="1972351707"/>
                     </a:ext>
                   </a:extLst>
                 </a:gridCol>
                 <a:gridCol w="834080">
                   <a:extLst>
                     <a:ext uri="{9D8B030D-6E8A-4147-A177-3AD203B41FA5}">
-                      <a16:colId xmlns:a16="http://schemas.microsoft.com/office/drawing/2014/main" xmlns="" val="130078612"/>
+                      <a16:colId xmlns="" xmlns:a16="http://schemas.microsoft.com/office/drawing/2014/main" val="130078612"/>
                     </a:ext>
                   </a:extLst>
                 </a:gridCol>
                 <a:gridCol w="834080">
                   <a:extLst>
                     <a:ext uri="{9D8B030D-6E8A-4147-A177-3AD203B41FA5}">
-                      <a16:colId xmlns:a16="http://schemas.microsoft.com/office/drawing/2014/main" xmlns="" val="3594532491"/>
+                      <a16:colId xmlns="" xmlns:a16="http://schemas.microsoft.com/office/drawing/2014/main" val="3594532491"/>
                     </a:ext>
                   </a:extLst>
                 </a:gridCol>
@@ -6069,7 +6069,7 @@
                 </a:tc>
                 <a:extLst>
                   <a:ext uri="{0D108BD9-81ED-4DB2-BD59-A6C34878D82A}">
-                    <a16:rowId xmlns:a16="http://schemas.microsoft.com/office/drawing/2014/main" xmlns="" val="1648878484"/>
+                    <a16:rowId xmlns="" xmlns:a16="http://schemas.microsoft.com/office/drawing/2014/main" val="1648878484"/>
                   </a:ext>
                 </a:extLst>
               </a:tr>
@@ -6252,7 +6252,7 @@
                 </a:tc>
                 <a:extLst>
                   <a:ext uri="{0D108BD9-81ED-4DB2-BD59-A6C34878D82A}">
-                    <a16:rowId xmlns:a16="http://schemas.microsoft.com/office/drawing/2014/main" xmlns="" val="3110016024"/>
+                    <a16:rowId xmlns="" xmlns:a16="http://schemas.microsoft.com/office/drawing/2014/main" val="3110016024"/>
                   </a:ext>
                 </a:extLst>
               </a:tr>
@@ -6451,7 +6451,7 @@
                 </a:tc>
                 <a:extLst>
                   <a:ext uri="{0D108BD9-81ED-4DB2-BD59-A6C34878D82A}">
-                    <a16:rowId xmlns:a16="http://schemas.microsoft.com/office/drawing/2014/main" xmlns="" val="2530068117"/>
+                    <a16:rowId xmlns="" xmlns:a16="http://schemas.microsoft.com/office/drawing/2014/main" val="2530068117"/>
                   </a:ext>
                 </a:extLst>
               </a:tr>
@@ -6641,7 +6641,7 @@
                 </a:tc>
                 <a:extLst>
                   <a:ext uri="{0D108BD9-81ED-4DB2-BD59-A6C34878D82A}">
-                    <a16:rowId xmlns:a16="http://schemas.microsoft.com/office/drawing/2014/main" xmlns="" val="1712611614"/>
+                    <a16:rowId xmlns="" xmlns:a16="http://schemas.microsoft.com/office/drawing/2014/main" val="1712611614"/>
                   </a:ext>
                 </a:extLst>
               </a:tr>
@@ -6654,7 +6654,7 @@
           <p:cNvPr id="14" name="Rectangle 13">
             <a:extLst>
               <a:ext uri="{FF2B5EF4-FFF2-40B4-BE49-F238E27FC236}">
-                <a16:creationId xmlns:a16="http://schemas.microsoft.com/office/drawing/2014/main" xmlns="" id="{87730940-FC21-4C3B-8CB1-5970F45710D8}"/>
+                <a16:creationId xmlns="" xmlns:a16="http://schemas.microsoft.com/office/drawing/2014/main" id="{87730940-FC21-4C3B-8CB1-5970F45710D8}"/>
               </a:ext>
             </a:extLst>
           </p:cNvPr>
@@ -6714,7 +6714,7 @@
           <p:cNvPr id="15" name="Rectangle 14">
             <a:extLst>
               <a:ext uri="{FF2B5EF4-FFF2-40B4-BE49-F238E27FC236}">
-                <a16:creationId xmlns:a16="http://schemas.microsoft.com/office/drawing/2014/main" xmlns="" id="{364C26DA-6C31-43BA-AD92-1F53ED6D6D1D}"/>
+                <a16:creationId xmlns="" xmlns:a16="http://schemas.microsoft.com/office/drawing/2014/main" id="{364C26DA-6C31-43BA-AD92-1F53ED6D6D1D}"/>
               </a:ext>
             </a:extLst>
           </p:cNvPr>
@@ -7030,7 +7030,7 @@
           <p:cNvPr id="5" name="Rectangle 4">
             <a:extLst>
               <a:ext uri="{FF2B5EF4-FFF2-40B4-BE49-F238E27FC236}">
-                <a16:creationId xmlns:a16="http://schemas.microsoft.com/office/drawing/2014/main" xmlns="" id="{6B3D22E0-3304-47C3-A13D-F3314EEBFA56}"/>
+                <a16:creationId xmlns="" xmlns:a16="http://schemas.microsoft.com/office/drawing/2014/main" id="{6B3D22E0-3304-47C3-A13D-F3314EEBFA56}"/>
               </a:ext>
             </a:extLst>
           </p:cNvPr>
@@ -7114,7 +7114,7 @@
           <p:cNvPr id="8" name="Rectangle 7">
             <a:extLst>
               <a:ext uri="{FF2B5EF4-FFF2-40B4-BE49-F238E27FC236}">
-                <a16:creationId xmlns:a16="http://schemas.microsoft.com/office/drawing/2014/main" xmlns="" id="{9A0DF3A1-7C0C-4F2B-AC19-D85A14774D75}"/>
+                <a16:creationId xmlns="" xmlns:a16="http://schemas.microsoft.com/office/drawing/2014/main" id="{9A0DF3A1-7C0C-4F2B-AC19-D85A14774D75}"/>
               </a:ext>
             </a:extLst>
           </p:cNvPr>
@@ -7187,7 +7187,7 @@
           <p:cNvPr id="9" name="Oval 8">
             <a:extLst>
               <a:ext uri="{FF2B5EF4-FFF2-40B4-BE49-F238E27FC236}">
-                <a16:creationId xmlns:a16="http://schemas.microsoft.com/office/drawing/2014/main" xmlns="" id="{72159732-2FD7-40C3-847F-C64BA2CBCD04}"/>
+                <a16:creationId xmlns="" xmlns:a16="http://schemas.microsoft.com/office/drawing/2014/main" id="{72159732-2FD7-40C3-847F-C64BA2CBCD04}"/>
               </a:ext>
             </a:extLst>
           </p:cNvPr>
@@ -7233,7 +7233,7 @@
           <p:cNvPr id="11" name="Rectangle 10">
             <a:extLst>
               <a:ext uri="{FF2B5EF4-FFF2-40B4-BE49-F238E27FC236}">
-                <a16:creationId xmlns:a16="http://schemas.microsoft.com/office/drawing/2014/main" xmlns="" id="{6E5DEFFA-7194-4F73-A87C-EAC51F65A74A}"/>
+                <a16:creationId xmlns="" xmlns:a16="http://schemas.microsoft.com/office/drawing/2014/main" id="{6E5DEFFA-7194-4F73-A87C-EAC51F65A74A}"/>
               </a:ext>
             </a:extLst>
           </p:cNvPr>
@@ -7311,7 +7311,7 @@
           <p:cNvPr id="12" name="Rectangle 11">
             <a:extLst>
               <a:ext uri="{FF2B5EF4-FFF2-40B4-BE49-F238E27FC236}">
-                <a16:creationId xmlns:a16="http://schemas.microsoft.com/office/drawing/2014/main" xmlns="" id="{90D7CBB2-7C4B-4A5B-AD24-C294E37161CB}"/>
+                <a16:creationId xmlns="" xmlns:a16="http://schemas.microsoft.com/office/drawing/2014/main" id="{90D7CBB2-7C4B-4A5B-AD24-C294E37161CB}"/>
               </a:ext>
             </a:extLst>
           </p:cNvPr>
@@ -7371,7 +7371,7 @@
           <p:cNvPr id="13" name="Table 12">
             <a:extLst>
               <a:ext uri="{FF2B5EF4-FFF2-40B4-BE49-F238E27FC236}">
-                <a16:creationId xmlns:a16="http://schemas.microsoft.com/office/drawing/2014/main" xmlns="" id="{9B0F7DF4-72A9-4AA6-A24C-EB98E6574144}"/>
+                <a16:creationId xmlns="" xmlns:a16="http://schemas.microsoft.com/office/drawing/2014/main" id="{9B0F7DF4-72A9-4AA6-A24C-EB98E6574144}"/>
               </a:ext>
             </a:extLst>
           </p:cNvPr>
@@ -7394,28 +7394,28 @@
                 <a:gridCol w="834080">
                   <a:extLst>
                     <a:ext uri="{9D8B030D-6E8A-4147-A177-3AD203B41FA5}">
-                      <a16:colId xmlns:a16="http://schemas.microsoft.com/office/drawing/2014/main" xmlns="" val="2514592082"/>
+                      <a16:colId xmlns="" xmlns:a16="http://schemas.microsoft.com/office/drawing/2014/main" val="2514592082"/>
                     </a:ext>
                   </a:extLst>
                 </a:gridCol>
                 <a:gridCol w="834080">
                   <a:extLst>
                     <a:ext uri="{9D8B030D-6E8A-4147-A177-3AD203B41FA5}">
-                      <a16:colId xmlns:a16="http://schemas.microsoft.com/office/drawing/2014/main" xmlns="" val="1972351707"/>
+                      <a16:colId xmlns="" xmlns:a16="http://schemas.microsoft.com/office/drawing/2014/main" val="1972351707"/>
                     </a:ext>
                   </a:extLst>
                 </a:gridCol>
                 <a:gridCol w="834080">
                   <a:extLst>
                     <a:ext uri="{9D8B030D-6E8A-4147-A177-3AD203B41FA5}">
-                      <a16:colId xmlns:a16="http://schemas.microsoft.com/office/drawing/2014/main" xmlns="" val="130078612"/>
+                      <a16:colId xmlns="" xmlns:a16="http://schemas.microsoft.com/office/drawing/2014/main" val="130078612"/>
                     </a:ext>
                   </a:extLst>
                 </a:gridCol>
                 <a:gridCol w="834080">
                   <a:extLst>
                     <a:ext uri="{9D8B030D-6E8A-4147-A177-3AD203B41FA5}">
-                      <a16:colId xmlns:a16="http://schemas.microsoft.com/office/drawing/2014/main" xmlns="" val="3594532491"/>
+                      <a16:colId xmlns="" xmlns:a16="http://schemas.microsoft.com/office/drawing/2014/main" val="3594532491"/>
                     </a:ext>
                   </a:extLst>
                 </a:gridCol>
@@ -7585,7 +7585,7 @@
                 </a:tc>
                 <a:extLst>
                   <a:ext uri="{0D108BD9-81ED-4DB2-BD59-A6C34878D82A}">
-                    <a16:rowId xmlns:a16="http://schemas.microsoft.com/office/drawing/2014/main" xmlns="" val="1648878484"/>
+                    <a16:rowId xmlns="" xmlns:a16="http://schemas.microsoft.com/office/drawing/2014/main" val="1648878484"/>
                   </a:ext>
                 </a:extLst>
               </a:tr>
@@ -7768,7 +7768,7 @@
                 </a:tc>
                 <a:extLst>
                   <a:ext uri="{0D108BD9-81ED-4DB2-BD59-A6C34878D82A}">
-                    <a16:rowId xmlns:a16="http://schemas.microsoft.com/office/drawing/2014/main" xmlns="" val="3110016024"/>
+                    <a16:rowId xmlns="" xmlns:a16="http://schemas.microsoft.com/office/drawing/2014/main" val="3110016024"/>
                   </a:ext>
                 </a:extLst>
               </a:tr>
@@ -7967,7 +7967,7 @@
                 </a:tc>
                 <a:extLst>
                   <a:ext uri="{0D108BD9-81ED-4DB2-BD59-A6C34878D82A}">
-                    <a16:rowId xmlns:a16="http://schemas.microsoft.com/office/drawing/2014/main" xmlns="" val="2530068117"/>
+                    <a16:rowId xmlns="" xmlns:a16="http://schemas.microsoft.com/office/drawing/2014/main" val="2530068117"/>
                   </a:ext>
                 </a:extLst>
               </a:tr>
@@ -8157,7 +8157,7 @@
                 </a:tc>
                 <a:extLst>
                   <a:ext uri="{0D108BD9-81ED-4DB2-BD59-A6C34878D82A}">
-                    <a16:rowId xmlns:a16="http://schemas.microsoft.com/office/drawing/2014/main" xmlns="" val="1712611614"/>
+                    <a16:rowId xmlns="" xmlns:a16="http://schemas.microsoft.com/office/drawing/2014/main" val="1712611614"/>
                   </a:ext>
                 </a:extLst>
               </a:tr>
@@ -8170,7 +8170,7 @@
           <p:cNvPr id="14" name="Rectangle 13">
             <a:extLst>
               <a:ext uri="{FF2B5EF4-FFF2-40B4-BE49-F238E27FC236}">
-                <a16:creationId xmlns:a16="http://schemas.microsoft.com/office/drawing/2014/main" xmlns="" id="{87730940-FC21-4C3B-8CB1-5970F45710D8}"/>
+                <a16:creationId xmlns="" xmlns:a16="http://schemas.microsoft.com/office/drawing/2014/main" id="{87730940-FC21-4C3B-8CB1-5970F45710D8}"/>
               </a:ext>
             </a:extLst>
           </p:cNvPr>
@@ -8230,7 +8230,7 @@
           <p:cNvPr id="15" name="Rectangle 14">
             <a:extLst>
               <a:ext uri="{FF2B5EF4-FFF2-40B4-BE49-F238E27FC236}">
-                <a16:creationId xmlns:a16="http://schemas.microsoft.com/office/drawing/2014/main" xmlns="" id="{364C26DA-6C31-43BA-AD92-1F53ED6D6D1D}"/>
+                <a16:creationId xmlns="" xmlns:a16="http://schemas.microsoft.com/office/drawing/2014/main" id="{364C26DA-6C31-43BA-AD92-1F53ED6D6D1D}"/>
               </a:ext>
             </a:extLst>
           </p:cNvPr>
@@ -8513,7 +8513,7 @@
           <p:cNvPr id="10" name="Rectangle 9">
             <a:extLst>
               <a:ext uri="{FF2B5EF4-FFF2-40B4-BE49-F238E27FC236}">
-                <a16:creationId xmlns:a16="http://schemas.microsoft.com/office/drawing/2014/main" xmlns="" id="{049FF3A6-DD92-486D-9626-DD9123C9E0CD}"/>
+                <a16:creationId xmlns="" xmlns:a16="http://schemas.microsoft.com/office/drawing/2014/main" id="{049FF3A6-DD92-486D-9626-DD9123C9E0CD}"/>
               </a:ext>
             </a:extLst>
           </p:cNvPr>
@@ -8606,7 +8606,7 @@
           <p:cNvPr id="5" name="Picture 4">
             <a:extLst>
               <a:ext uri="{FF2B5EF4-FFF2-40B4-BE49-F238E27FC236}">
-                <a16:creationId xmlns:a16="http://schemas.microsoft.com/office/drawing/2014/main" xmlns="" id="{2FDDB4AA-AA72-498C-9A5B-E6FE970B4C84}"/>
+                <a16:creationId xmlns="" xmlns:a16="http://schemas.microsoft.com/office/drawing/2014/main" id="{2FDDB4AA-AA72-498C-9A5B-E6FE970B4C84}"/>
               </a:ext>
             </a:extLst>
           </p:cNvPr>
@@ -8642,7 +8642,7 @@
           <p:cNvPr id="14" name="Rectangle 13">
             <a:extLst>
               <a:ext uri="{FF2B5EF4-FFF2-40B4-BE49-F238E27FC236}">
-                <a16:creationId xmlns:a16="http://schemas.microsoft.com/office/drawing/2014/main" xmlns="" id="{52670CB7-6F96-4BDF-AF66-75B2EA21419B}"/>
+                <a16:creationId xmlns="" xmlns:a16="http://schemas.microsoft.com/office/drawing/2014/main" id="{52670CB7-6F96-4BDF-AF66-75B2EA21419B}"/>
               </a:ext>
             </a:extLst>
           </p:cNvPr>
@@ -8742,7 +8742,7 @@
           <p:cNvPr id="5" name="Rectangle 4">
             <a:extLst>
               <a:ext uri="{FF2B5EF4-FFF2-40B4-BE49-F238E27FC236}">
-                <a16:creationId xmlns:a16="http://schemas.microsoft.com/office/drawing/2014/main" xmlns="" id="{6B3D22E0-3304-47C3-A13D-F3314EEBFA56}"/>
+                <a16:creationId xmlns="" xmlns:a16="http://schemas.microsoft.com/office/drawing/2014/main" id="{6B3D22E0-3304-47C3-A13D-F3314EEBFA56}"/>
               </a:ext>
             </a:extLst>
           </p:cNvPr>
@@ -8826,7 +8826,7 @@
           <p:cNvPr id="8" name="Rectangle 7">
             <a:extLst>
               <a:ext uri="{FF2B5EF4-FFF2-40B4-BE49-F238E27FC236}">
-                <a16:creationId xmlns:a16="http://schemas.microsoft.com/office/drawing/2014/main" xmlns="" id="{9A0DF3A1-7C0C-4F2B-AC19-D85A14774D75}"/>
+                <a16:creationId xmlns="" xmlns:a16="http://schemas.microsoft.com/office/drawing/2014/main" id="{9A0DF3A1-7C0C-4F2B-AC19-D85A14774D75}"/>
               </a:ext>
             </a:extLst>
           </p:cNvPr>
@@ -8899,7 +8899,7 @@
           <p:cNvPr id="14" name="Arrow: Right 13">
             <a:extLst>
               <a:ext uri="{FF2B5EF4-FFF2-40B4-BE49-F238E27FC236}">
-                <a16:creationId xmlns:a16="http://schemas.microsoft.com/office/drawing/2014/main" xmlns="" id="{796CEA44-310B-44B9-9452-370144CD966E}"/>
+                <a16:creationId xmlns="" xmlns:a16="http://schemas.microsoft.com/office/drawing/2014/main" id="{796CEA44-310B-44B9-9452-370144CD966E}"/>
               </a:ext>
             </a:extLst>
           </p:cNvPr>
@@ -8953,7 +8953,7 @@
           <p:cNvPr id="16" name="Rectangle 15">
             <a:extLst>
               <a:ext uri="{FF2B5EF4-FFF2-40B4-BE49-F238E27FC236}">
-                <a16:creationId xmlns:a16="http://schemas.microsoft.com/office/drawing/2014/main" xmlns="" id="{CC027118-16A8-4813-87CE-9A7C47C5D9B7}"/>
+                <a16:creationId xmlns="" xmlns:a16="http://schemas.microsoft.com/office/drawing/2014/main" id="{CC027118-16A8-4813-87CE-9A7C47C5D9B7}"/>
               </a:ext>
             </a:extLst>
           </p:cNvPr>
@@ -8963,7 +8963,7 @@
         <p:spPr>
           <a:xfrm>
             <a:off x="416492" y="2105029"/>
-            <a:ext cx="8126866" cy="1862048"/>
+            <a:ext cx="8126866" cy="1154162"/>
           </a:xfrm>
           <a:prstGeom prst="rect">
             <a:avLst/>
@@ -8997,7 +8997,7 @@
           </a:p>
           <a:p>
             <a:r>
-              <a:rPr lang="pt-BR" sz="2300" dirty="0">
+              <a:rPr lang="pt-BR" sz="2300" dirty="0" smtClean="0">
                 <a:ln w="0"/>
                 <a:solidFill>
                   <a:schemeClr val="bg1"/>
@@ -9010,11 +9010,44 @@
                   </a:outerShdw>
                 </a:effectLst>
               </a:rPr>
-              <a:t>Uma fábrica de sapatos possui 4989 pares de calçados em estoque e recebe um pedido de um único cliente, de 5235 pares de calçados. Quantas unidades de calçados sobraram em estoque após a entrega desse pedido?</a:t>
-            </a:r>
-          </a:p>
-        </p:txBody>
-      </p:sp>
+              <a:t>Se um estudante de psicologia tem três pastas mas ele entregou uma para o professor com quantas pastas ele ficou?</a:t>
+            </a:r>
+          </a:p>
+        </p:txBody>
+      </p:sp>
+      <p:pic>
+        <p:nvPicPr>
+          <p:cNvPr id="3" name="Som gravado">
+            <a:hlinkClick r:id="" action="ppaction://media"/>
+          </p:cNvPr>
+          <p:cNvPicPr>
+            <a:picLocks noChangeAspect="1"/>
+          </p:cNvPicPr>
+          <p:nvPr>
+            <a:audioFile r:link="rId2"/>
+            <p:extLst>
+              <p:ext uri="{DAA4B4D4-6D71-4841-9C94-3DE7FCFB9230}">
+                <p14:media xmlns:p14="http://schemas.microsoft.com/office/powerpoint/2010/main" r:embed="rId1"/>
+              </p:ext>
+            </p:extLst>
+          </p:nvPr>
+        </p:nvPicPr>
+        <p:blipFill>
+          <a:blip r:embed="rId5"/>
+          <a:stretch>
+            <a:fillRect/>
+          </a:stretch>
+        </p:blipFill>
+        <p:spPr>
+          <a:xfrm>
+            <a:off x="4235450" y="2276475"/>
+            <a:ext cx="487363" cy="487363"/>
+          </a:xfrm>
+          <a:prstGeom prst="rect">
+            <a:avLst/>
+          </a:prstGeom>
+        </p:spPr>
+      </p:pic>
     </p:spTree>
     <p:extLst>
       <p:ext uri="{BB962C8B-B14F-4D97-AF65-F5344CB8AC3E}">
@@ -9028,6 +9061,93 @@
   <p:transition spd="slow">
     <p:wipe/>
   </p:transition>
+  <p:timing>
+    <p:tnLst>
+      <p:par>
+        <p:cTn id="1" dur="indefinite" restart="never" nodeType="tmRoot">
+          <p:childTnLst>
+            <p:seq concurrent="1" nextAc="seek">
+              <p:cTn id="2" restart="whenNotActive" fill="hold" evtFilter="cancelBubble" nodeType="interactiveSeq">
+                <p:stCondLst>
+                  <p:cond evt="onClick" delay="0">
+                    <p:tgtEl>
+                      <p:spTgt spid="3"/>
+                    </p:tgtEl>
+                  </p:cond>
+                </p:stCondLst>
+                <p:endSync evt="end" delay="0">
+                  <p:rtn val="all"/>
+                </p:endSync>
+                <p:childTnLst>
+                  <p:par>
+                    <p:cTn id="3" fill="hold">
+                      <p:stCondLst>
+                        <p:cond delay="0"/>
+                      </p:stCondLst>
+                      <p:childTnLst>
+                        <p:par>
+                          <p:cTn id="4" fill="hold">
+                            <p:stCondLst>
+                              <p:cond delay="0"/>
+                            </p:stCondLst>
+                            <p:childTnLst>
+                              <p:par>
+                                <p:cTn id="5" presetID="1" presetClass="mediacall" presetSubtype="0" fill="hold" nodeType="clickEffect">
+                                  <p:stCondLst>
+                                    <p:cond delay="0"/>
+                                  </p:stCondLst>
+                                  <p:childTnLst>
+                                    <p:cmd type="call" cmd="playFrom(0.0)">
+                                      <p:cBhvr>
+                                        <p:cTn id="6" dur="14024" fill="hold"/>
+                                        <p:tgtEl>
+                                          <p:spTgt spid="3"/>
+                                        </p:tgtEl>
+                                      </p:cBhvr>
+                                    </p:cmd>
+                                  </p:childTnLst>
+                                </p:cTn>
+                              </p:par>
+                            </p:childTnLst>
+                          </p:cTn>
+                        </p:par>
+                      </p:childTnLst>
+                    </p:cTn>
+                  </p:par>
+                </p:childTnLst>
+              </p:cTn>
+              <p:nextCondLst>
+                <p:cond evt="onClick" delay="0">
+                  <p:tgtEl>
+                    <p:spTgt spid="3"/>
+                  </p:tgtEl>
+                </p:cond>
+              </p:nextCondLst>
+            </p:seq>
+            <p:audio>
+              <p:cMediaNode vol="80000">
+                <p:cTn id="7" fill="hold" display="0">
+                  <p:stCondLst>
+                    <p:cond delay="indefinite"/>
+                  </p:stCondLst>
+                  <p:endCondLst>
+                    <p:cond evt="onStopAudio" delay="0">
+                      <p:tgtEl>
+                        <p:sldTgt/>
+                      </p:tgtEl>
+                    </p:cond>
+                  </p:endCondLst>
+                </p:cTn>
+                <p:tgtEl>
+                  <p:spTgt spid="3"/>
+                </p:tgtEl>
+              </p:cMediaNode>
+            </p:audio>
+          </p:childTnLst>
+        </p:cTn>
+      </p:par>
+    </p:tnLst>
+  </p:timing>
 </p:sld>
 </file>
 
@@ -9053,7 +9173,7 @@
           <p:cNvPr id="5" name="Rectangle 4">
             <a:extLst>
               <a:ext uri="{FF2B5EF4-FFF2-40B4-BE49-F238E27FC236}">
-                <a16:creationId xmlns:a16="http://schemas.microsoft.com/office/drawing/2014/main" xmlns="" id="{6B3D22E0-3304-47C3-A13D-F3314EEBFA56}"/>
+                <a16:creationId xmlns="" xmlns:a16="http://schemas.microsoft.com/office/drawing/2014/main" id="{6B3D22E0-3304-47C3-A13D-F3314EEBFA56}"/>
               </a:ext>
             </a:extLst>
           </p:cNvPr>
@@ -9137,7 +9257,7 @@
           <p:cNvPr id="14" name="Arrow: Right 13">
             <a:extLst>
               <a:ext uri="{FF2B5EF4-FFF2-40B4-BE49-F238E27FC236}">
-                <a16:creationId xmlns:a16="http://schemas.microsoft.com/office/drawing/2014/main" xmlns="" id="{796CEA44-310B-44B9-9452-370144CD966E}"/>
+                <a16:creationId xmlns="" xmlns:a16="http://schemas.microsoft.com/office/drawing/2014/main" id="{796CEA44-310B-44B9-9452-370144CD966E}"/>
               </a:ext>
             </a:extLst>
           </p:cNvPr>
@@ -9191,7 +9311,7 @@
           <p:cNvPr id="13" name="Rectangle 12">
             <a:extLst>
               <a:ext uri="{FF2B5EF4-FFF2-40B4-BE49-F238E27FC236}">
-                <a16:creationId xmlns:a16="http://schemas.microsoft.com/office/drawing/2014/main" xmlns="" id="{10403570-33C6-4D52-8ECF-EC0A6BFC6193}"/>
+                <a16:creationId xmlns="" xmlns:a16="http://schemas.microsoft.com/office/drawing/2014/main" id="{10403570-33C6-4D52-8ECF-EC0A6BFC6193}"/>
               </a:ext>
             </a:extLst>
           </p:cNvPr>
@@ -9251,7 +9371,7 @@
           <p:cNvPr id="17" name="Rectangle 16">
             <a:extLst>
               <a:ext uri="{FF2B5EF4-FFF2-40B4-BE49-F238E27FC236}">
-                <a16:creationId xmlns:a16="http://schemas.microsoft.com/office/drawing/2014/main" xmlns="" id="{020A49D6-E5FF-4E4D-958D-0C4AE40BDB69}"/>
+                <a16:creationId xmlns="" xmlns:a16="http://schemas.microsoft.com/office/drawing/2014/main" id="{020A49D6-E5FF-4E4D-958D-0C4AE40BDB69}"/>
               </a:ext>
             </a:extLst>
           </p:cNvPr>
@@ -9319,6 +9439,39 @@
           </a:p>
         </p:txBody>
       </p:sp>
+      <p:pic>
+        <p:nvPicPr>
+          <p:cNvPr id="2" name="Som gravado">
+            <a:hlinkClick r:id="" action="ppaction://media"/>
+          </p:cNvPr>
+          <p:cNvPicPr>
+            <a:picLocks noChangeAspect="1"/>
+          </p:cNvPicPr>
+          <p:nvPr>
+            <a:audioFile r:link="rId2"/>
+            <p:extLst>
+              <p:ext uri="{DAA4B4D4-6D71-4841-9C94-3DE7FCFB9230}">
+                <p14:media xmlns:p14="http://schemas.microsoft.com/office/powerpoint/2010/main" r:embed="rId1"/>
+              </p:ext>
+            </p:extLst>
+          </p:nvPr>
+        </p:nvPicPr>
+        <p:blipFill>
+          <a:blip r:embed="rId5"/>
+          <a:stretch>
+            <a:fillRect/>
+          </a:stretch>
+        </p:blipFill>
+        <p:spPr>
+          <a:xfrm>
+            <a:off x="4235450" y="2276475"/>
+            <a:ext cx="487363" cy="487363"/>
+          </a:xfrm>
+          <a:prstGeom prst="rect">
+            <a:avLst/>
+          </a:prstGeom>
+        </p:spPr>
+      </p:pic>
     </p:spTree>
     <p:extLst>
       <p:ext uri="{BB962C8B-B14F-4D97-AF65-F5344CB8AC3E}">
@@ -9332,6 +9485,93 @@
   <p:transition spd="slow">
     <p:wipe/>
   </p:transition>
+  <p:timing>
+    <p:tnLst>
+      <p:par>
+        <p:cTn id="1" dur="indefinite" restart="never" nodeType="tmRoot">
+          <p:childTnLst>
+            <p:seq concurrent="1" nextAc="seek">
+              <p:cTn id="2" restart="whenNotActive" fill="hold" evtFilter="cancelBubble" nodeType="interactiveSeq">
+                <p:stCondLst>
+                  <p:cond evt="onClick" delay="0">
+                    <p:tgtEl>
+                      <p:spTgt spid="2"/>
+                    </p:tgtEl>
+                  </p:cond>
+                </p:stCondLst>
+                <p:endSync evt="end" delay="0">
+                  <p:rtn val="all"/>
+                </p:endSync>
+                <p:childTnLst>
+                  <p:par>
+                    <p:cTn id="3" fill="hold">
+                      <p:stCondLst>
+                        <p:cond delay="0"/>
+                      </p:stCondLst>
+                      <p:childTnLst>
+                        <p:par>
+                          <p:cTn id="4" fill="hold">
+                            <p:stCondLst>
+                              <p:cond delay="0"/>
+                            </p:stCondLst>
+                            <p:childTnLst>
+                              <p:par>
+                                <p:cTn id="5" presetID="1" presetClass="mediacall" presetSubtype="0" fill="hold" nodeType="clickEffect">
+                                  <p:stCondLst>
+                                    <p:cond delay="0"/>
+                                  </p:stCondLst>
+                                  <p:childTnLst>
+                                    <p:cmd type="call" cmd="playFrom(0.0)">
+                                      <p:cBhvr>
+                                        <p:cTn id="6" dur="7523" fill="hold"/>
+                                        <p:tgtEl>
+                                          <p:spTgt spid="2"/>
+                                        </p:tgtEl>
+                                      </p:cBhvr>
+                                    </p:cmd>
+                                  </p:childTnLst>
+                                </p:cTn>
+                              </p:par>
+                            </p:childTnLst>
+                          </p:cTn>
+                        </p:par>
+                      </p:childTnLst>
+                    </p:cTn>
+                  </p:par>
+                </p:childTnLst>
+              </p:cTn>
+              <p:nextCondLst>
+                <p:cond evt="onClick" delay="0">
+                  <p:tgtEl>
+                    <p:spTgt spid="2"/>
+                  </p:tgtEl>
+                </p:cond>
+              </p:nextCondLst>
+            </p:seq>
+            <p:audio>
+              <p:cMediaNode vol="80000">
+                <p:cTn id="7" fill="hold" display="0">
+                  <p:stCondLst>
+                    <p:cond delay="indefinite"/>
+                  </p:stCondLst>
+                  <p:endCondLst>
+                    <p:cond evt="onStopAudio" delay="0">
+                      <p:tgtEl>
+                        <p:sldTgt/>
+                      </p:tgtEl>
+                    </p:cond>
+                  </p:endCondLst>
+                </p:cTn>
+                <p:tgtEl>
+                  <p:spTgt spid="2"/>
+                </p:tgtEl>
+              </p:cMediaNode>
+            </p:audio>
+          </p:childTnLst>
+        </p:cTn>
+      </p:par>
+    </p:tnLst>
+  </p:timing>
 </p:sld>
 </file>
 
@@ -9357,7 +9597,7 @@
           <p:cNvPr id="2" name="Oval 1">
             <a:extLst>
               <a:ext uri="{FF2B5EF4-FFF2-40B4-BE49-F238E27FC236}">
-                <a16:creationId xmlns:a16="http://schemas.microsoft.com/office/drawing/2014/main" xmlns="" id="{3219C9BD-5DC2-46EA-8D6A-CC8CE84CA9B9}"/>
+                <a16:creationId xmlns="" xmlns:a16="http://schemas.microsoft.com/office/drawing/2014/main" id="{3219C9BD-5DC2-46EA-8D6A-CC8CE84CA9B9}"/>
               </a:ext>
             </a:extLst>
           </p:cNvPr>
@@ -9366,7 +9606,7 @@
         </p:nvSpPr>
         <p:spPr>
           <a:xfrm>
-            <a:off x="6023332" y="2006438"/>
+            <a:off x="6023332" y="2009533"/>
             <a:ext cx="2295478" cy="1200329"/>
           </a:xfrm>
           <a:prstGeom prst="ellipse">
@@ -9403,7 +9643,7 @@
           <p:cNvPr id="5" name="Rectangle 4">
             <a:extLst>
               <a:ext uri="{FF2B5EF4-FFF2-40B4-BE49-F238E27FC236}">
-                <a16:creationId xmlns:a16="http://schemas.microsoft.com/office/drawing/2014/main" xmlns="" id="{6B3D22E0-3304-47C3-A13D-F3314EEBFA56}"/>
+                <a16:creationId xmlns="" xmlns:a16="http://schemas.microsoft.com/office/drawing/2014/main" id="{6B3D22E0-3304-47C3-A13D-F3314EEBFA56}"/>
               </a:ext>
             </a:extLst>
           </p:cNvPr>
@@ -9487,7 +9727,7 @@
           <p:cNvPr id="8" name="Rectangle 7">
             <a:extLst>
               <a:ext uri="{FF2B5EF4-FFF2-40B4-BE49-F238E27FC236}">
-                <a16:creationId xmlns:a16="http://schemas.microsoft.com/office/drawing/2014/main" xmlns="" id="{9A0DF3A1-7C0C-4F2B-AC19-D85A14774D75}"/>
+                <a16:creationId xmlns="" xmlns:a16="http://schemas.microsoft.com/office/drawing/2014/main" id="{9A0DF3A1-7C0C-4F2B-AC19-D85A14774D75}"/>
               </a:ext>
             </a:extLst>
           </p:cNvPr>
@@ -9560,7 +9800,7 @@
           <p:cNvPr id="16" name="Rectangle 15">
             <a:extLst>
               <a:ext uri="{FF2B5EF4-FFF2-40B4-BE49-F238E27FC236}">
-                <a16:creationId xmlns:a16="http://schemas.microsoft.com/office/drawing/2014/main" xmlns="" id="{CC027118-16A8-4813-87CE-9A7C47C5D9B7}"/>
+                <a16:creationId xmlns="" xmlns:a16="http://schemas.microsoft.com/office/drawing/2014/main" id="{CC027118-16A8-4813-87CE-9A7C47C5D9B7}"/>
               </a:ext>
             </a:extLst>
           </p:cNvPr>
@@ -9570,7 +9810,7 @@
         <p:spPr>
           <a:xfrm>
             <a:off x="355508" y="1850321"/>
-            <a:ext cx="4539877" cy="2923877"/>
+            <a:ext cx="4539877" cy="1862048"/>
           </a:xfrm>
           <a:prstGeom prst="rect">
             <a:avLst/>
@@ -9617,7 +9857,7 @@
                   </a:outerShdw>
                 </a:effectLst>
               </a:rPr>
-              <a:t>Uma fábrica de sapatos possui 4989 pares de calçados em estoque e recebe um pedido de um único cliente, de 5235 pares de calçados. Quantas unidades de calçados sobraram em estoque após a entrega desse pedido?</a:t>
+              <a:t>Se um estudante de psicologia tem três pastas mas ele entregou uma para o professor com quantas pastas ele ficou?</a:t>
             </a:r>
           </a:p>
         </p:txBody>
@@ -9627,7 +9867,7 @@
           <p:cNvPr id="7" name="Rectangle 6">
             <a:extLst>
               <a:ext uri="{FF2B5EF4-FFF2-40B4-BE49-F238E27FC236}">
-                <a16:creationId xmlns:a16="http://schemas.microsoft.com/office/drawing/2014/main" xmlns="" id="{867D2196-D5EF-4E64-9E68-7724E5B1CAEA}"/>
+                <a16:creationId xmlns="" xmlns:a16="http://schemas.microsoft.com/office/drawing/2014/main" id="{867D2196-D5EF-4E64-9E68-7724E5B1CAEA}"/>
               </a:ext>
             </a:extLst>
           </p:cNvPr>
@@ -9687,7 +9927,637 @@
           <p:cNvPr id="10" name="Connector: Elbow 9">
             <a:extLst>
               <a:ext uri="{FF2B5EF4-FFF2-40B4-BE49-F238E27FC236}">
-                <a16:creationId xmlns:a16="http://schemas.microsoft.com/office/drawing/2014/main" xmlns="" id="{6DA47681-B53E-4C3D-BFAA-B38416F051CC}"/>
+                <a16:creationId xmlns="" xmlns:a16="http://schemas.microsoft.com/office/drawing/2014/main" id="{6DA47681-B53E-4C3D-BFAA-B38416F051CC}"/>
+              </a:ext>
+            </a:extLst>
+          </p:cNvPr>
+          <p:cNvCxnSpPr>
+            <a:cxnSpLocks/>
+          </p:cNvCxnSpPr>
+          <p:nvPr/>
+        </p:nvCxnSpPr>
+        <p:spPr>
+          <a:xfrm>
+            <a:off x="473646" y="2969058"/>
+            <a:ext cx="7080422" cy="386569"/>
+          </a:xfrm>
+          <a:prstGeom prst="bentConnector3">
+            <a:avLst>
+              <a:gd name="adj1" fmla="val 61799"/>
+            </a:avLst>
+          </a:prstGeom>
+          <a:ln>
+            <a:solidFill>
+              <a:srgbClr val="FFFF00"/>
+            </a:solidFill>
+            <a:headEnd type="triangle"/>
+            <a:tailEnd type="triangle"/>
+          </a:ln>
+        </p:spPr>
+        <p:style>
+          <a:lnRef idx="3">
+            <a:schemeClr val="dk1"/>
+          </a:lnRef>
+          <a:fillRef idx="0">
+            <a:schemeClr val="dk1"/>
+          </a:fillRef>
+          <a:effectRef idx="2">
+            <a:schemeClr val="dk1"/>
+          </a:effectRef>
+          <a:fontRef idx="minor">
+            <a:schemeClr val="tx1"/>
+          </a:fontRef>
+        </p:style>
+      </p:cxnSp>
+      <p:sp>
+        <p:nvSpPr>
+          <p:cNvPr id="18" name="Rectangle 17">
+            <a:extLst>
+              <a:ext uri="{FF2B5EF4-FFF2-40B4-BE49-F238E27FC236}">
+                <a16:creationId xmlns="" xmlns:a16="http://schemas.microsoft.com/office/drawing/2014/main" id="{AF540507-61AB-4171-86E9-BD1A80FE6C68}"/>
+              </a:ext>
+            </a:extLst>
+          </p:cNvPr>
+          <p:cNvSpPr/>
+          <p:nvPr/>
+        </p:nvSpPr>
+        <p:spPr>
+          <a:xfrm>
+            <a:off x="355508" y="1296745"/>
+            <a:ext cx="7124959" cy="446276"/>
+          </a:xfrm>
+          <a:prstGeom prst="rect">
+            <a:avLst/>
+          </a:prstGeom>
+          <a:noFill/>
+        </p:spPr>
+        <p:txBody>
+          <a:bodyPr wrap="square" lIns="91440" tIns="45720" rIns="91440" bIns="45720">
+            <a:spAutoFit/>
+          </a:bodyPr>
+          <a:lstStyle/>
+          <a:p>
+            <a:r>
+              <a:rPr lang="pt-BR" sz="2300" dirty="0">
+                <a:ln w="0"/>
+                <a:solidFill>
+                  <a:schemeClr val="bg1"/>
+                </a:solidFill>
+                <a:effectLst>
+                  <a:outerShdw blurRad="38100" dist="19050" dir="2700000" algn="tl" rotWithShape="0">
+                    <a:schemeClr val="dk1">
+                      <a:alpha val="40000"/>
+                    </a:schemeClr>
+                  </a:outerShdw>
+                </a:effectLst>
+              </a:rPr>
+              <a:t>Regra 1: identificar os termos minuendo e o subtraendo</a:t>
+            </a:r>
+            <a:endParaRPr lang="en-US" sz="2300" b="0" cap="none" spc="0" dirty="0">
+              <a:ln w="0"/>
+              <a:solidFill>
+                <a:schemeClr val="bg1"/>
+              </a:solidFill>
+              <a:effectLst>
+                <a:outerShdw blurRad="38100" dist="19050" dir="2700000" algn="tl" rotWithShape="0">
+                  <a:schemeClr val="dk1">
+                    <a:alpha val="40000"/>
+                  </a:schemeClr>
+                </a:outerShdw>
+              </a:effectLst>
+            </a:endParaRPr>
+          </a:p>
+        </p:txBody>
+      </p:sp>
+    </p:spTree>
+    <p:extLst>
+      <p:ext uri="{BB962C8B-B14F-4D97-AF65-F5344CB8AC3E}">
+        <p14:creationId xmlns:p14="http://schemas.microsoft.com/office/powerpoint/2010/main" val="4155805285"/>
+      </p:ext>
+    </p:extLst>
+  </p:cSld>
+  <p:clrMapOvr>
+    <a:masterClrMapping/>
+  </p:clrMapOvr>
+  <p:transition spd="slow">
+    <p:wipe/>
+  </p:transition>
+  <p:timing>
+    <p:tnLst>
+      <p:par>
+        <p:cTn id="1" dur="indefinite" restart="never" nodeType="tmRoot"/>
+      </p:par>
+    </p:tnLst>
+  </p:timing>
+</p:sld>
+</file>
+
+<file path=ppt/slides/slide5.xml><?xml version="1.0" encoding="utf-8"?>
+<p:sld xmlns:a="http://schemas.openxmlformats.org/drawingml/2006/main" xmlns:r="http://schemas.openxmlformats.org/officeDocument/2006/relationships" xmlns:p="http://schemas.openxmlformats.org/presentationml/2006/main">
+  <p:cSld>
+    <p:spTree>
+      <p:nvGrpSpPr>
+        <p:cNvPr id="1" name=""/>
+        <p:cNvGrpSpPr/>
+        <p:nvPr/>
+      </p:nvGrpSpPr>
+      <p:grpSpPr>
+        <a:xfrm>
+          <a:off x="0" y="0"/>
+          <a:ext cx="0" cy="0"/>
+          <a:chOff x="0" y="0"/>
+          <a:chExt cx="0" cy="0"/>
+        </a:xfrm>
+      </p:grpSpPr>
+      <p:sp>
+        <p:nvSpPr>
+          <p:cNvPr id="2" name="Oval 1">
+            <a:extLst>
+              <a:ext uri="{FF2B5EF4-FFF2-40B4-BE49-F238E27FC236}">
+                <a16:creationId xmlns="" xmlns:a16="http://schemas.microsoft.com/office/drawing/2014/main" id="{3219C9BD-5DC2-46EA-8D6A-CC8CE84CA9B9}"/>
+              </a:ext>
+            </a:extLst>
+          </p:cNvPr>
+          <p:cNvSpPr/>
+          <p:nvPr/>
+        </p:nvSpPr>
+        <p:spPr>
+          <a:xfrm>
+            <a:off x="6136517" y="3287372"/>
+            <a:ext cx="2295478" cy="1200329"/>
+          </a:xfrm>
+          <a:prstGeom prst="ellipse">
+            <a:avLst/>
+          </a:prstGeom>
+        </p:spPr>
+        <p:style>
+          <a:lnRef idx="2">
+            <a:schemeClr val="accent1">
+              <a:shade val="50000"/>
+            </a:schemeClr>
+          </a:lnRef>
+          <a:fillRef idx="1">
+            <a:schemeClr val="accent1"/>
+          </a:fillRef>
+          <a:effectRef idx="0">
+            <a:schemeClr val="accent1"/>
+          </a:effectRef>
+          <a:fontRef idx="minor">
+            <a:schemeClr val="lt1"/>
+          </a:fontRef>
+        </p:style>
+        <p:txBody>
+          <a:bodyPr rtlCol="0" anchor="ctr"/>
+          <a:lstStyle/>
+          <a:p>
+            <a:pPr algn="ctr"/>
+            <a:endParaRPr lang="pt-BR"/>
+          </a:p>
+        </p:txBody>
+      </p:sp>
+      <p:sp>
+        <p:nvSpPr>
+          <p:cNvPr id="5" name="Rectangle 4">
+            <a:extLst>
+              <a:ext uri="{FF2B5EF4-FFF2-40B4-BE49-F238E27FC236}">
+                <a16:creationId xmlns="" xmlns:a16="http://schemas.microsoft.com/office/drawing/2014/main" id="{6B3D22E0-3304-47C3-A13D-F3314EEBFA56}"/>
+              </a:ext>
+            </a:extLst>
+          </p:cNvPr>
+          <p:cNvSpPr/>
+          <p:nvPr/>
+        </p:nvSpPr>
+        <p:spPr>
+          <a:xfrm>
+            <a:off x="355508" y="266115"/>
+            <a:ext cx="536741" cy="923330"/>
+          </a:xfrm>
+          <a:prstGeom prst="rect">
+            <a:avLst/>
+          </a:prstGeom>
+          <a:noFill/>
+          <a:ln>
+            <a:noFill/>
+          </a:ln>
+        </p:spPr>
+        <p:style>
+          <a:lnRef idx="0">
+            <a:scrgbClr r="0" g="0" b="0"/>
+          </a:lnRef>
+          <a:fillRef idx="0">
+            <a:scrgbClr r="0" g="0" b="0"/>
+          </a:fillRef>
+          <a:effectRef idx="0">
+            <a:scrgbClr r="0" g="0" b="0"/>
+          </a:effectRef>
+          <a:fontRef idx="minor">
+            <a:schemeClr val="lt1"/>
+          </a:fontRef>
+        </p:style>
+        <p:txBody>
+          <a:bodyPr wrap="square" lIns="91440" tIns="45720" rIns="91440" bIns="45720">
+            <a:spAutoFit/>
+          </a:bodyPr>
+          <a:lstStyle/>
+          <a:p>
+            <a:pPr algn="ctr"/>
+            <a:r>
+              <a:rPr lang="en-US" sz="5400" b="1" dirty="0">
+                <a:ln w="6600">
+                  <a:solidFill>
+                    <a:schemeClr val="accent2"/>
+                  </a:solidFill>
+                  <a:prstDash val="solid"/>
+                </a:ln>
+                <a:solidFill>
+                  <a:srgbClr val="FFFFFF"/>
+                </a:solidFill>
+                <a:effectLst>
+                  <a:outerShdw dist="38100" dir="2700000" algn="tl" rotWithShape="0">
+                    <a:schemeClr val="accent2"/>
+                  </a:outerShdw>
+                </a:effectLst>
+              </a:rPr>
+              <a:t>1</a:t>
+            </a:r>
+            <a:endParaRPr lang="en-US" sz="5400" b="1" cap="none" spc="0" dirty="0">
+              <a:ln w="6600">
+                <a:solidFill>
+                  <a:schemeClr val="accent2"/>
+                </a:solidFill>
+                <a:prstDash val="solid"/>
+              </a:ln>
+              <a:solidFill>
+                <a:srgbClr val="FFFFFF"/>
+              </a:solidFill>
+              <a:effectLst>
+                <a:outerShdw dist="38100" dir="2700000" algn="tl" rotWithShape="0">
+                  <a:schemeClr val="accent2"/>
+                </a:outerShdw>
+              </a:effectLst>
+            </a:endParaRPr>
+          </a:p>
+        </p:txBody>
+      </p:sp>
+      <p:sp>
+        <p:nvSpPr>
+          <p:cNvPr id="8" name="Rectangle 7">
+            <a:extLst>
+              <a:ext uri="{FF2B5EF4-FFF2-40B4-BE49-F238E27FC236}">
+                <a16:creationId xmlns="" xmlns:a16="http://schemas.microsoft.com/office/drawing/2014/main" id="{9A0DF3A1-7C0C-4F2B-AC19-D85A14774D75}"/>
+              </a:ext>
+            </a:extLst>
+          </p:cNvPr>
+          <p:cNvSpPr/>
+          <p:nvPr/>
+        </p:nvSpPr>
+        <p:spPr>
+          <a:xfrm>
+            <a:off x="989052" y="127615"/>
+            <a:ext cx="7615290" cy="1200329"/>
+          </a:xfrm>
+          <a:prstGeom prst="rect">
+            <a:avLst/>
+          </a:prstGeom>
+          <a:noFill/>
+        </p:spPr>
+        <p:txBody>
+          <a:bodyPr wrap="none" lIns="91440" tIns="45720" rIns="91440" bIns="45720">
+            <a:spAutoFit/>
+          </a:bodyPr>
+          <a:lstStyle/>
+          <a:p>
+            <a:pPr algn="ctr"/>
+            <a:r>
+              <a:rPr lang="en-US" sz="3600" b="1" cap="none" spc="0" dirty="0">
+                <a:ln w="12700">
+                  <a:solidFill>
+                    <a:schemeClr val="accent1"/>
+                  </a:solidFill>
+                  <a:prstDash val="solid"/>
+                </a:ln>
+                <a:solidFill>
+                  <a:srgbClr val="FFFF00"/>
+                </a:solidFill>
+                <a:effectLst>
+                  <a:outerShdw dist="38100" dir="2640000" algn="bl" rotWithShape="0">
+                    <a:schemeClr val="accent1"/>
+                  </a:outerShdw>
+                </a:effectLst>
+              </a:rPr>
+              <a:t>Matemática – Subtração – Resolvendo </a:t>
+            </a:r>
+          </a:p>
+          <a:p>
+            <a:pPr algn="ctr"/>
+            <a:r>
+              <a:rPr lang="en-US" sz="3600" b="1" cap="none" spc="0" dirty="0">
+                <a:ln w="12700">
+                  <a:solidFill>
+                    <a:schemeClr val="accent1"/>
+                  </a:solidFill>
+                  <a:prstDash val="solid"/>
+                </a:ln>
+                <a:solidFill>
+                  <a:srgbClr val="FFFF00"/>
+                </a:solidFill>
+                <a:effectLst>
+                  <a:outerShdw dist="38100" dir="2640000" algn="bl" rotWithShape="0">
+                    <a:schemeClr val="accent1"/>
+                  </a:outerShdw>
+                </a:effectLst>
+              </a:rPr>
+              <a:t>Exercícios Aplicando as Regras</a:t>
+            </a:r>
+          </a:p>
+        </p:txBody>
+      </p:sp>
+      <p:sp>
+        <p:nvSpPr>
+          <p:cNvPr id="16" name="Rectangle 15">
+            <a:extLst>
+              <a:ext uri="{FF2B5EF4-FFF2-40B4-BE49-F238E27FC236}">
+                <a16:creationId xmlns="" xmlns:a16="http://schemas.microsoft.com/office/drawing/2014/main" id="{CC027118-16A8-4813-87CE-9A7C47C5D9B7}"/>
+              </a:ext>
+            </a:extLst>
+          </p:cNvPr>
+          <p:cNvSpPr/>
+          <p:nvPr/>
+        </p:nvSpPr>
+        <p:spPr>
+          <a:xfrm>
+            <a:off x="355508" y="1850321"/>
+            <a:ext cx="4539877" cy="2923877"/>
+          </a:xfrm>
+          <a:prstGeom prst="rect">
+            <a:avLst/>
+          </a:prstGeom>
+          <a:solidFill>
+            <a:srgbClr val="7030A0"/>
+          </a:solidFill>
+        </p:spPr>
+        <p:txBody>
+          <a:bodyPr wrap="square" lIns="91440" tIns="45720" rIns="91440" bIns="45720">
+            <a:spAutoFit/>
+          </a:bodyPr>
+          <a:lstStyle/>
+          <a:p>
+            <a:r>
+              <a:rPr lang="pt-BR" sz="2300" b="1" dirty="0">
+                <a:ln w="0"/>
+                <a:solidFill>
+                  <a:srgbClr val="FFFF00"/>
+                </a:solidFill>
+                <a:effectLst>
+                  <a:outerShdw blurRad="38100" dist="19050" dir="2700000" algn="tl" rotWithShape="0">
+                    <a:schemeClr val="dk1">
+                      <a:alpha val="40000"/>
+                    </a:schemeClr>
+                  </a:outerShdw>
+                </a:effectLst>
+              </a:rPr>
+              <a:t>QUESTÃO 01</a:t>
+            </a:r>
+          </a:p>
+          <a:p>
+            <a:r>
+              <a:rPr lang="pt-BR" sz="2300" dirty="0">
+                <a:ln w="0"/>
+                <a:solidFill>
+                  <a:schemeClr val="bg1"/>
+                </a:solidFill>
+                <a:effectLst>
+                  <a:outerShdw blurRad="38100" dist="19050" dir="2700000" algn="tl" rotWithShape="0">
+                    <a:schemeClr val="dk1">
+                      <a:alpha val="40000"/>
+                    </a:schemeClr>
+                  </a:outerShdw>
+                </a:effectLst>
+              </a:rPr>
+              <a:t>Uma fábrica de sapatos possui 4989 pares de calçados em estoque e recebe um pedido de um único cliente, de 5235 pares de calçados. Quantas unidades de calçados sobraram em estoque após a entrega desse pedido?</a:t>
+            </a:r>
+          </a:p>
+        </p:txBody>
+      </p:sp>
+      <p:sp>
+        <p:nvSpPr>
+          <p:cNvPr id="7" name="Rectangle 6">
+            <a:extLst>
+              <a:ext uri="{FF2B5EF4-FFF2-40B4-BE49-F238E27FC236}">
+                <a16:creationId xmlns="" xmlns:a16="http://schemas.microsoft.com/office/drawing/2014/main" id="{867D2196-D5EF-4E64-9E68-7724E5B1CAEA}"/>
+              </a:ext>
+            </a:extLst>
+          </p:cNvPr>
+          <p:cNvSpPr/>
+          <p:nvPr/>
+        </p:nvSpPr>
+        <p:spPr>
+          <a:xfrm>
+            <a:off x="6136517" y="3334930"/>
+            <a:ext cx="2408663" cy="1015663"/>
+          </a:xfrm>
+          <a:prstGeom prst="rect">
+            <a:avLst/>
+          </a:prstGeom>
+          <a:noFill/>
+        </p:spPr>
+        <p:txBody>
+          <a:bodyPr wrap="square" lIns="91440" tIns="45720" rIns="91440" bIns="45720">
+            <a:spAutoFit/>
+          </a:bodyPr>
+          <a:lstStyle/>
+          <a:p>
+            <a:r>
+              <a:rPr lang="pt-BR" sz="6000" dirty="0">
+                <a:ln w="0"/>
+                <a:solidFill>
+                  <a:schemeClr val="bg1"/>
+                </a:solidFill>
+                <a:effectLst>
+                  <a:outerShdw blurRad="38100" dist="19050" dir="2700000" algn="tl" rotWithShape="0">
+                    <a:schemeClr val="dk1">
+                      <a:alpha val="40000"/>
+                    </a:schemeClr>
+                  </a:outerShdw>
+                </a:effectLst>
+              </a:rPr>
+              <a:t>- 5235 </a:t>
+            </a:r>
+            <a:endParaRPr lang="en-US" sz="6000" b="0" cap="none" spc="0" dirty="0">
+              <a:ln w="0"/>
+              <a:solidFill>
+                <a:schemeClr val="bg1"/>
+              </a:solidFill>
+              <a:effectLst>
+                <a:outerShdw blurRad="38100" dist="19050" dir="2700000" algn="tl" rotWithShape="0">
+                  <a:schemeClr val="dk1">
+                    <a:alpha val="40000"/>
+                  </a:schemeClr>
+                </a:outerShdw>
+              </a:effectLst>
+            </a:endParaRPr>
+          </a:p>
+        </p:txBody>
+      </p:sp>
+      <p:cxnSp>
+        <p:nvCxnSpPr>
+          <p:cNvPr id="10" name="Connector: Elbow 9">
+            <a:extLst>
+              <a:ext uri="{FF2B5EF4-FFF2-40B4-BE49-F238E27FC236}">
+                <a16:creationId xmlns="" xmlns:a16="http://schemas.microsoft.com/office/drawing/2014/main" id="{6DA47681-B53E-4C3D-BFAA-B38416F051CC}"/>
+              </a:ext>
+            </a:extLst>
+          </p:cNvPr>
+          <p:cNvCxnSpPr>
+            <a:cxnSpLocks/>
+          </p:cNvCxnSpPr>
+          <p:nvPr/>
+        </p:nvCxnSpPr>
+        <p:spPr>
+          <a:xfrm>
+            <a:off x="2345168" y="3357094"/>
+            <a:ext cx="4528969" cy="931013"/>
+          </a:xfrm>
+          <a:prstGeom prst="bentConnector3">
+            <a:avLst>
+              <a:gd name="adj1" fmla="val 50000"/>
+            </a:avLst>
+          </a:prstGeom>
+          <a:ln>
+            <a:solidFill>
+              <a:srgbClr val="FFFF00"/>
+            </a:solidFill>
+            <a:headEnd type="triangle"/>
+            <a:tailEnd type="triangle"/>
+          </a:ln>
+        </p:spPr>
+        <p:style>
+          <a:lnRef idx="3">
+            <a:schemeClr val="dk1"/>
+          </a:lnRef>
+          <a:fillRef idx="0">
+            <a:schemeClr val="dk1"/>
+          </a:fillRef>
+          <a:effectRef idx="2">
+            <a:schemeClr val="dk1"/>
+          </a:effectRef>
+          <a:fontRef idx="minor">
+            <a:schemeClr val="tx1"/>
+          </a:fontRef>
+        </p:style>
+      </p:cxnSp>
+      <p:sp>
+        <p:nvSpPr>
+          <p:cNvPr id="9" name="Oval 8">
+            <a:extLst>
+              <a:ext uri="{FF2B5EF4-FFF2-40B4-BE49-F238E27FC236}">
+                <a16:creationId xmlns="" xmlns:a16="http://schemas.microsoft.com/office/drawing/2014/main" id="{72159732-2FD7-40C3-847F-C64BA2CBCD04}"/>
+              </a:ext>
+            </a:extLst>
+          </p:cNvPr>
+          <p:cNvSpPr/>
+          <p:nvPr/>
+        </p:nvSpPr>
+        <p:spPr>
+          <a:xfrm>
+            <a:off x="6023332" y="2006438"/>
+            <a:ext cx="2295478" cy="1200329"/>
+          </a:xfrm>
+          <a:prstGeom prst="ellipse">
+            <a:avLst/>
+          </a:prstGeom>
+        </p:spPr>
+        <p:style>
+          <a:lnRef idx="2">
+            <a:schemeClr val="accent1">
+              <a:shade val="50000"/>
+            </a:schemeClr>
+          </a:lnRef>
+          <a:fillRef idx="1">
+            <a:schemeClr val="accent1"/>
+          </a:fillRef>
+          <a:effectRef idx="0">
+            <a:schemeClr val="accent1"/>
+          </a:effectRef>
+          <a:fontRef idx="minor">
+            <a:schemeClr val="lt1"/>
+          </a:fontRef>
+        </p:style>
+        <p:txBody>
+          <a:bodyPr rtlCol="0" anchor="ctr"/>
+          <a:lstStyle/>
+          <a:p>
+            <a:pPr algn="ctr"/>
+            <a:endParaRPr lang="pt-BR"/>
+          </a:p>
+        </p:txBody>
+      </p:sp>
+      <p:sp>
+        <p:nvSpPr>
+          <p:cNvPr id="11" name="Rectangle 10">
+            <a:extLst>
+              <a:ext uri="{FF2B5EF4-FFF2-40B4-BE49-F238E27FC236}">
+                <a16:creationId xmlns="" xmlns:a16="http://schemas.microsoft.com/office/drawing/2014/main" id="{6E5DEFFA-7194-4F73-A87C-EAC51F65A74A}"/>
+              </a:ext>
+            </a:extLst>
+          </p:cNvPr>
+          <p:cNvSpPr/>
+          <p:nvPr/>
+        </p:nvSpPr>
+        <p:spPr>
+          <a:xfrm>
+            <a:off x="6023332" y="2102381"/>
+            <a:ext cx="2408663" cy="1015663"/>
+          </a:xfrm>
+          <a:prstGeom prst="rect">
+            <a:avLst/>
+          </a:prstGeom>
+          <a:noFill/>
+        </p:spPr>
+        <p:txBody>
+          <a:bodyPr wrap="square" lIns="91440" tIns="45720" rIns="91440" bIns="45720">
+            <a:spAutoFit/>
+          </a:bodyPr>
+          <a:lstStyle/>
+          <a:p>
+            <a:r>
+              <a:rPr lang="pt-BR" sz="6000" dirty="0">
+                <a:ln w="0"/>
+                <a:solidFill>
+                  <a:schemeClr val="bg1"/>
+                </a:solidFill>
+                <a:effectLst>
+                  <a:outerShdw blurRad="38100" dist="19050" dir="2700000" algn="tl" rotWithShape="0">
+                    <a:schemeClr val="dk1">
+                      <a:alpha val="40000"/>
+                    </a:schemeClr>
+                  </a:outerShdw>
+                </a:effectLst>
+              </a:rPr>
+              <a:t>+ 4989</a:t>
+            </a:r>
+            <a:endParaRPr lang="en-US" sz="6000" b="0" cap="none" spc="0" dirty="0">
+              <a:ln w="0"/>
+              <a:solidFill>
+                <a:schemeClr val="bg1"/>
+              </a:solidFill>
+              <a:effectLst>
+                <a:outerShdw blurRad="38100" dist="19050" dir="2700000" algn="tl" rotWithShape="0">
+                  <a:schemeClr val="dk1">
+                    <a:alpha val="40000"/>
+                  </a:schemeClr>
+                </a:outerShdw>
+              </a:effectLst>
+            </a:endParaRPr>
+          </a:p>
+        </p:txBody>
+      </p:sp>
+      <p:cxnSp>
+        <p:nvCxnSpPr>
+          <p:cNvPr id="12" name="Connector: Elbow 11">
+            <a:extLst>
+              <a:ext uri="{FF2B5EF4-FFF2-40B4-BE49-F238E27FC236}">
+                <a16:creationId xmlns="" xmlns:a16="http://schemas.microsoft.com/office/drawing/2014/main" id="{2B045995-889A-4D75-87A5-6454E02F66F9}"/>
               </a:ext>
             </a:extLst>
           </p:cNvPr>
@@ -9731,10 +10601,10 @@
       </p:cxnSp>
       <p:sp>
         <p:nvSpPr>
-          <p:cNvPr id="18" name="Rectangle 17">
+          <p:cNvPr id="13" name="Rectangle 12">
             <a:extLst>
               <a:ext uri="{FF2B5EF4-FFF2-40B4-BE49-F238E27FC236}">
-                <a16:creationId xmlns:a16="http://schemas.microsoft.com/office/drawing/2014/main" xmlns="" id="{AF540507-61AB-4171-86E9-BD1A80FE6C68}"/>
+                <a16:creationId xmlns="" xmlns:a16="http://schemas.microsoft.com/office/drawing/2014/main" id="{8D9F6370-7C37-4B7C-ADDE-D548779D4980}"/>
               </a:ext>
             </a:extLst>
           </p:cNvPr>
@@ -9792,7 +10662,7 @@
     </p:spTree>
     <p:extLst>
       <p:ext uri="{BB962C8B-B14F-4D97-AF65-F5344CB8AC3E}">
-        <p14:creationId xmlns:p14="http://schemas.microsoft.com/office/powerpoint/2010/main" val="4155805285"/>
+        <p14:creationId xmlns:p14="http://schemas.microsoft.com/office/powerpoint/2010/main" val="3905858794"/>
       </p:ext>
     </p:extLst>
   </p:cSld>
@@ -9802,10 +10672,17 @@
   <p:transition spd="slow">
     <p:wipe/>
   </p:transition>
+  <p:timing>
+    <p:tnLst>
+      <p:par>
+        <p:cTn id="1" dur="indefinite" restart="never" nodeType="tmRoot"/>
+      </p:par>
+    </p:tnLst>
+  </p:timing>
 </p:sld>
 </file>
 
-<file path=ppt/slides/slide5.xml><?xml version="1.0" encoding="utf-8"?>
+<file path=ppt/slides/slide6.xml><?xml version="1.0" encoding="utf-8"?>
 <p:sld xmlns:a="http://schemas.openxmlformats.org/drawingml/2006/main" xmlns:r="http://schemas.openxmlformats.org/officeDocument/2006/relationships" xmlns:p="http://schemas.openxmlformats.org/presentationml/2006/main">
   <p:cSld>
     <p:spTree>
@@ -9824,56 +10701,10 @@
       </p:grpSpPr>
       <p:sp>
         <p:nvSpPr>
-          <p:cNvPr id="2" name="Oval 1">
-            <a:extLst>
-              <a:ext uri="{FF2B5EF4-FFF2-40B4-BE49-F238E27FC236}">
-                <a16:creationId xmlns:a16="http://schemas.microsoft.com/office/drawing/2014/main" xmlns="" id="{3219C9BD-5DC2-46EA-8D6A-CC8CE84CA9B9}"/>
-              </a:ext>
-            </a:extLst>
-          </p:cNvPr>
-          <p:cNvSpPr/>
-          <p:nvPr/>
-        </p:nvSpPr>
-        <p:spPr>
-          <a:xfrm>
-            <a:off x="6136517" y="3287372"/>
-            <a:ext cx="2295478" cy="1200329"/>
-          </a:xfrm>
-          <a:prstGeom prst="ellipse">
-            <a:avLst/>
-          </a:prstGeom>
-        </p:spPr>
-        <p:style>
-          <a:lnRef idx="2">
-            <a:schemeClr val="accent1">
-              <a:shade val="50000"/>
-            </a:schemeClr>
-          </a:lnRef>
-          <a:fillRef idx="1">
-            <a:schemeClr val="accent1"/>
-          </a:fillRef>
-          <a:effectRef idx="0">
-            <a:schemeClr val="accent1"/>
-          </a:effectRef>
-          <a:fontRef idx="minor">
-            <a:schemeClr val="lt1"/>
-          </a:fontRef>
-        </p:style>
-        <p:txBody>
-          <a:bodyPr rtlCol="0" anchor="ctr"/>
-          <a:lstStyle/>
-          <a:p>
-            <a:pPr algn="ctr"/>
-            <a:endParaRPr lang="pt-BR"/>
-          </a:p>
-        </p:txBody>
-      </p:sp>
-      <p:sp>
-        <p:nvSpPr>
           <p:cNvPr id="5" name="Rectangle 4">
             <a:extLst>
               <a:ext uri="{FF2B5EF4-FFF2-40B4-BE49-F238E27FC236}">
-                <a16:creationId xmlns:a16="http://schemas.microsoft.com/office/drawing/2014/main" xmlns="" id="{6B3D22E0-3304-47C3-A13D-F3314EEBFA56}"/>
+                <a16:creationId xmlns="" xmlns:a16="http://schemas.microsoft.com/office/drawing/2014/main" id="{6B3D22E0-3304-47C3-A13D-F3314EEBFA56}"/>
               </a:ext>
             </a:extLst>
           </p:cNvPr>
@@ -9957,7 +10788,7 @@
           <p:cNvPr id="8" name="Rectangle 7">
             <a:extLst>
               <a:ext uri="{FF2B5EF4-FFF2-40B4-BE49-F238E27FC236}">
-                <a16:creationId xmlns:a16="http://schemas.microsoft.com/office/drawing/2014/main" xmlns="" id="{9A0DF3A1-7C0C-4F2B-AC19-D85A14774D75}"/>
+                <a16:creationId xmlns="" xmlns:a16="http://schemas.microsoft.com/office/drawing/2014/main" id="{9A0DF3A1-7C0C-4F2B-AC19-D85A14774D75}"/>
               </a:ext>
             </a:extLst>
           </p:cNvPr>
@@ -10030,7 +10861,7 @@
           <p:cNvPr id="16" name="Rectangle 15">
             <a:extLst>
               <a:ext uri="{FF2B5EF4-FFF2-40B4-BE49-F238E27FC236}">
-                <a16:creationId xmlns:a16="http://schemas.microsoft.com/office/drawing/2014/main" xmlns="" id="{CC027118-16A8-4813-87CE-9A7C47C5D9B7}"/>
+                <a16:creationId xmlns="" xmlns:a16="http://schemas.microsoft.com/office/drawing/2014/main" id="{CC027118-16A8-4813-87CE-9A7C47C5D9B7}"/>
               </a:ext>
             </a:extLst>
           </p:cNvPr>
@@ -10094,587 +10925,10 @@
       </p:sp>
       <p:sp>
         <p:nvSpPr>
-          <p:cNvPr id="7" name="Rectangle 6">
-            <a:extLst>
-              <a:ext uri="{FF2B5EF4-FFF2-40B4-BE49-F238E27FC236}">
-                <a16:creationId xmlns:a16="http://schemas.microsoft.com/office/drawing/2014/main" xmlns="" id="{867D2196-D5EF-4E64-9E68-7724E5B1CAEA}"/>
-              </a:ext>
-            </a:extLst>
-          </p:cNvPr>
-          <p:cNvSpPr/>
-          <p:nvPr/>
-        </p:nvSpPr>
-        <p:spPr>
-          <a:xfrm>
-            <a:off x="6136517" y="3334930"/>
-            <a:ext cx="2408663" cy="1015663"/>
-          </a:xfrm>
-          <a:prstGeom prst="rect">
-            <a:avLst/>
-          </a:prstGeom>
-          <a:noFill/>
-        </p:spPr>
-        <p:txBody>
-          <a:bodyPr wrap="square" lIns="91440" tIns="45720" rIns="91440" bIns="45720">
-            <a:spAutoFit/>
-          </a:bodyPr>
-          <a:lstStyle/>
-          <a:p>
-            <a:r>
-              <a:rPr lang="pt-BR" sz="6000" dirty="0">
-                <a:ln w="0"/>
-                <a:solidFill>
-                  <a:schemeClr val="bg1"/>
-                </a:solidFill>
-                <a:effectLst>
-                  <a:outerShdw blurRad="38100" dist="19050" dir="2700000" algn="tl" rotWithShape="0">
-                    <a:schemeClr val="dk1">
-                      <a:alpha val="40000"/>
-                    </a:schemeClr>
-                  </a:outerShdw>
-                </a:effectLst>
-              </a:rPr>
-              <a:t>- 5235 </a:t>
-            </a:r>
-            <a:endParaRPr lang="en-US" sz="6000" b="0" cap="none" spc="0" dirty="0">
-              <a:ln w="0"/>
-              <a:solidFill>
-                <a:schemeClr val="bg1"/>
-              </a:solidFill>
-              <a:effectLst>
-                <a:outerShdw blurRad="38100" dist="19050" dir="2700000" algn="tl" rotWithShape="0">
-                  <a:schemeClr val="dk1">
-                    <a:alpha val="40000"/>
-                  </a:schemeClr>
-                </a:outerShdw>
-              </a:effectLst>
-            </a:endParaRPr>
-          </a:p>
-        </p:txBody>
-      </p:sp>
-      <p:cxnSp>
-        <p:nvCxnSpPr>
-          <p:cNvPr id="10" name="Connector: Elbow 9">
-            <a:extLst>
-              <a:ext uri="{FF2B5EF4-FFF2-40B4-BE49-F238E27FC236}">
-                <a16:creationId xmlns:a16="http://schemas.microsoft.com/office/drawing/2014/main" xmlns="" id="{6DA47681-B53E-4C3D-BFAA-B38416F051CC}"/>
-              </a:ext>
-            </a:extLst>
-          </p:cNvPr>
-          <p:cNvCxnSpPr>
-            <a:cxnSpLocks/>
-          </p:cNvCxnSpPr>
-          <p:nvPr/>
-        </p:nvCxnSpPr>
-        <p:spPr>
-          <a:xfrm>
-            <a:off x="2345168" y="3357094"/>
-            <a:ext cx="4528969" cy="931013"/>
-          </a:xfrm>
-          <a:prstGeom prst="bentConnector3">
-            <a:avLst>
-              <a:gd name="adj1" fmla="val 50000"/>
-            </a:avLst>
-          </a:prstGeom>
-          <a:ln>
-            <a:solidFill>
-              <a:srgbClr val="FFFF00"/>
-            </a:solidFill>
-            <a:headEnd type="triangle"/>
-            <a:tailEnd type="triangle"/>
-          </a:ln>
-        </p:spPr>
-        <p:style>
-          <a:lnRef idx="3">
-            <a:schemeClr val="dk1"/>
-          </a:lnRef>
-          <a:fillRef idx="0">
-            <a:schemeClr val="dk1"/>
-          </a:fillRef>
-          <a:effectRef idx="2">
-            <a:schemeClr val="dk1"/>
-          </a:effectRef>
-          <a:fontRef idx="minor">
-            <a:schemeClr val="tx1"/>
-          </a:fontRef>
-        </p:style>
-      </p:cxnSp>
-      <p:sp>
-        <p:nvSpPr>
           <p:cNvPr id="9" name="Oval 8">
             <a:extLst>
               <a:ext uri="{FF2B5EF4-FFF2-40B4-BE49-F238E27FC236}">
-                <a16:creationId xmlns:a16="http://schemas.microsoft.com/office/drawing/2014/main" xmlns="" id="{72159732-2FD7-40C3-847F-C64BA2CBCD04}"/>
-              </a:ext>
-            </a:extLst>
-          </p:cNvPr>
-          <p:cNvSpPr/>
-          <p:nvPr/>
-        </p:nvSpPr>
-        <p:spPr>
-          <a:xfrm>
-            <a:off x="6023332" y="2006438"/>
-            <a:ext cx="2295478" cy="1200329"/>
-          </a:xfrm>
-          <a:prstGeom prst="ellipse">
-            <a:avLst/>
-          </a:prstGeom>
-        </p:spPr>
-        <p:style>
-          <a:lnRef idx="2">
-            <a:schemeClr val="accent1">
-              <a:shade val="50000"/>
-            </a:schemeClr>
-          </a:lnRef>
-          <a:fillRef idx="1">
-            <a:schemeClr val="accent1"/>
-          </a:fillRef>
-          <a:effectRef idx="0">
-            <a:schemeClr val="accent1"/>
-          </a:effectRef>
-          <a:fontRef idx="minor">
-            <a:schemeClr val="lt1"/>
-          </a:fontRef>
-        </p:style>
-        <p:txBody>
-          <a:bodyPr rtlCol="0" anchor="ctr"/>
-          <a:lstStyle/>
-          <a:p>
-            <a:pPr algn="ctr"/>
-            <a:endParaRPr lang="pt-BR"/>
-          </a:p>
-        </p:txBody>
-      </p:sp>
-      <p:sp>
-        <p:nvSpPr>
-          <p:cNvPr id="11" name="Rectangle 10">
-            <a:extLst>
-              <a:ext uri="{FF2B5EF4-FFF2-40B4-BE49-F238E27FC236}">
-                <a16:creationId xmlns:a16="http://schemas.microsoft.com/office/drawing/2014/main" xmlns="" id="{6E5DEFFA-7194-4F73-A87C-EAC51F65A74A}"/>
-              </a:ext>
-            </a:extLst>
-          </p:cNvPr>
-          <p:cNvSpPr/>
-          <p:nvPr/>
-        </p:nvSpPr>
-        <p:spPr>
-          <a:xfrm>
-            <a:off x="6023332" y="2102381"/>
-            <a:ext cx="2408663" cy="1015663"/>
-          </a:xfrm>
-          <a:prstGeom prst="rect">
-            <a:avLst/>
-          </a:prstGeom>
-          <a:noFill/>
-        </p:spPr>
-        <p:txBody>
-          <a:bodyPr wrap="square" lIns="91440" tIns="45720" rIns="91440" bIns="45720">
-            <a:spAutoFit/>
-          </a:bodyPr>
-          <a:lstStyle/>
-          <a:p>
-            <a:r>
-              <a:rPr lang="pt-BR" sz="6000" dirty="0">
-                <a:ln w="0"/>
-                <a:solidFill>
-                  <a:schemeClr val="bg1"/>
-                </a:solidFill>
-                <a:effectLst>
-                  <a:outerShdw blurRad="38100" dist="19050" dir="2700000" algn="tl" rotWithShape="0">
-                    <a:schemeClr val="dk1">
-                      <a:alpha val="40000"/>
-                    </a:schemeClr>
-                  </a:outerShdw>
-                </a:effectLst>
-              </a:rPr>
-              <a:t>+ 4989</a:t>
-            </a:r>
-            <a:endParaRPr lang="en-US" sz="6000" b="0" cap="none" spc="0" dirty="0">
-              <a:ln w="0"/>
-              <a:solidFill>
-                <a:schemeClr val="bg1"/>
-              </a:solidFill>
-              <a:effectLst>
-                <a:outerShdw blurRad="38100" dist="19050" dir="2700000" algn="tl" rotWithShape="0">
-                  <a:schemeClr val="dk1">
-                    <a:alpha val="40000"/>
-                  </a:schemeClr>
-                </a:outerShdw>
-              </a:effectLst>
-            </a:endParaRPr>
-          </a:p>
-        </p:txBody>
-      </p:sp>
-      <p:cxnSp>
-        <p:nvCxnSpPr>
-          <p:cNvPr id="12" name="Connector: Elbow 11">
-            <a:extLst>
-              <a:ext uri="{FF2B5EF4-FFF2-40B4-BE49-F238E27FC236}">
-                <a16:creationId xmlns:a16="http://schemas.microsoft.com/office/drawing/2014/main" xmlns="" id="{2B045995-889A-4D75-87A5-6454E02F66F9}"/>
-              </a:ext>
-            </a:extLst>
-          </p:cNvPr>
-          <p:cNvCxnSpPr>
-            <a:cxnSpLocks/>
-          </p:cNvCxnSpPr>
-          <p:nvPr/>
-        </p:nvCxnSpPr>
-        <p:spPr>
-          <a:xfrm>
-            <a:off x="4796698" y="2450485"/>
-            <a:ext cx="1959928" cy="644527"/>
-          </a:xfrm>
-          <a:prstGeom prst="bentConnector3">
-            <a:avLst>
-              <a:gd name="adj1" fmla="val 26103"/>
-            </a:avLst>
-          </a:prstGeom>
-          <a:ln>
-            <a:solidFill>
-              <a:srgbClr val="FFFF00"/>
-            </a:solidFill>
-            <a:headEnd type="triangle"/>
-            <a:tailEnd type="triangle"/>
-          </a:ln>
-        </p:spPr>
-        <p:style>
-          <a:lnRef idx="3">
-            <a:schemeClr val="dk1"/>
-          </a:lnRef>
-          <a:fillRef idx="0">
-            <a:schemeClr val="dk1"/>
-          </a:fillRef>
-          <a:effectRef idx="2">
-            <a:schemeClr val="dk1"/>
-          </a:effectRef>
-          <a:fontRef idx="minor">
-            <a:schemeClr val="tx1"/>
-          </a:fontRef>
-        </p:style>
-      </p:cxnSp>
-      <p:sp>
-        <p:nvSpPr>
-          <p:cNvPr id="13" name="Rectangle 12">
-            <a:extLst>
-              <a:ext uri="{FF2B5EF4-FFF2-40B4-BE49-F238E27FC236}">
-                <a16:creationId xmlns:a16="http://schemas.microsoft.com/office/drawing/2014/main" xmlns="" id="{8D9F6370-7C37-4B7C-ADDE-D548779D4980}"/>
-              </a:ext>
-            </a:extLst>
-          </p:cNvPr>
-          <p:cNvSpPr/>
-          <p:nvPr/>
-        </p:nvSpPr>
-        <p:spPr>
-          <a:xfrm>
-            <a:off x="355508" y="1296745"/>
-            <a:ext cx="7124959" cy="446276"/>
-          </a:xfrm>
-          <a:prstGeom prst="rect">
-            <a:avLst/>
-          </a:prstGeom>
-          <a:noFill/>
-        </p:spPr>
-        <p:txBody>
-          <a:bodyPr wrap="square" lIns="91440" tIns="45720" rIns="91440" bIns="45720">
-            <a:spAutoFit/>
-          </a:bodyPr>
-          <a:lstStyle/>
-          <a:p>
-            <a:r>
-              <a:rPr lang="pt-BR" sz="2300" dirty="0">
-                <a:ln w="0"/>
-                <a:solidFill>
-                  <a:schemeClr val="bg1"/>
-                </a:solidFill>
-                <a:effectLst>
-                  <a:outerShdw blurRad="38100" dist="19050" dir="2700000" algn="tl" rotWithShape="0">
-                    <a:schemeClr val="dk1">
-                      <a:alpha val="40000"/>
-                    </a:schemeClr>
-                  </a:outerShdw>
-                </a:effectLst>
-              </a:rPr>
-              <a:t>Regra 1: identificar os termos minuendo e o subtraendo</a:t>
-            </a:r>
-            <a:endParaRPr lang="en-US" sz="2300" b="0" cap="none" spc="0" dirty="0">
-              <a:ln w="0"/>
-              <a:solidFill>
-                <a:schemeClr val="bg1"/>
-              </a:solidFill>
-              <a:effectLst>
-                <a:outerShdw blurRad="38100" dist="19050" dir="2700000" algn="tl" rotWithShape="0">
-                  <a:schemeClr val="dk1">
-                    <a:alpha val="40000"/>
-                  </a:schemeClr>
-                </a:outerShdw>
-              </a:effectLst>
-            </a:endParaRPr>
-          </a:p>
-        </p:txBody>
-      </p:sp>
-    </p:spTree>
-    <p:extLst>
-      <p:ext uri="{BB962C8B-B14F-4D97-AF65-F5344CB8AC3E}">
-        <p14:creationId xmlns:p14="http://schemas.microsoft.com/office/powerpoint/2010/main" val="3905858794"/>
-      </p:ext>
-    </p:extLst>
-  </p:cSld>
-  <p:clrMapOvr>
-    <a:masterClrMapping/>
-  </p:clrMapOvr>
-  <p:transition spd="slow">
-    <p:wipe/>
-  </p:transition>
-</p:sld>
-</file>
-
-<file path=ppt/slides/slide6.xml><?xml version="1.0" encoding="utf-8"?>
-<p:sld xmlns:a="http://schemas.openxmlformats.org/drawingml/2006/main" xmlns:r="http://schemas.openxmlformats.org/officeDocument/2006/relationships" xmlns:p="http://schemas.openxmlformats.org/presentationml/2006/main">
-  <p:cSld>
-    <p:spTree>
-      <p:nvGrpSpPr>
-        <p:cNvPr id="1" name=""/>
-        <p:cNvGrpSpPr/>
-        <p:nvPr/>
-      </p:nvGrpSpPr>
-      <p:grpSpPr>
-        <a:xfrm>
-          <a:off x="0" y="0"/>
-          <a:ext cx="0" cy="0"/>
-          <a:chOff x="0" y="0"/>
-          <a:chExt cx="0" cy="0"/>
-        </a:xfrm>
-      </p:grpSpPr>
-      <p:sp>
-        <p:nvSpPr>
-          <p:cNvPr id="5" name="Rectangle 4">
-            <a:extLst>
-              <a:ext uri="{FF2B5EF4-FFF2-40B4-BE49-F238E27FC236}">
-                <a16:creationId xmlns:a16="http://schemas.microsoft.com/office/drawing/2014/main" xmlns="" id="{6B3D22E0-3304-47C3-A13D-F3314EEBFA56}"/>
-              </a:ext>
-            </a:extLst>
-          </p:cNvPr>
-          <p:cNvSpPr/>
-          <p:nvPr/>
-        </p:nvSpPr>
-        <p:spPr>
-          <a:xfrm>
-            <a:off x="355508" y="266115"/>
-            <a:ext cx="536741" cy="923330"/>
-          </a:xfrm>
-          <a:prstGeom prst="rect">
-            <a:avLst/>
-          </a:prstGeom>
-          <a:noFill/>
-          <a:ln>
-            <a:noFill/>
-          </a:ln>
-        </p:spPr>
-        <p:style>
-          <a:lnRef idx="0">
-            <a:scrgbClr r="0" g="0" b="0"/>
-          </a:lnRef>
-          <a:fillRef idx="0">
-            <a:scrgbClr r="0" g="0" b="0"/>
-          </a:fillRef>
-          <a:effectRef idx="0">
-            <a:scrgbClr r="0" g="0" b="0"/>
-          </a:effectRef>
-          <a:fontRef idx="minor">
-            <a:schemeClr val="lt1"/>
-          </a:fontRef>
-        </p:style>
-        <p:txBody>
-          <a:bodyPr wrap="square" lIns="91440" tIns="45720" rIns="91440" bIns="45720">
-            <a:spAutoFit/>
-          </a:bodyPr>
-          <a:lstStyle/>
-          <a:p>
-            <a:pPr algn="ctr"/>
-            <a:r>
-              <a:rPr lang="en-US" sz="5400" b="1" dirty="0">
-                <a:ln w="6600">
-                  <a:solidFill>
-                    <a:schemeClr val="accent2"/>
-                  </a:solidFill>
-                  <a:prstDash val="solid"/>
-                </a:ln>
-                <a:solidFill>
-                  <a:srgbClr val="FFFFFF"/>
-                </a:solidFill>
-                <a:effectLst>
-                  <a:outerShdw dist="38100" dir="2700000" algn="tl" rotWithShape="0">
-                    <a:schemeClr val="accent2"/>
-                  </a:outerShdw>
-                </a:effectLst>
-              </a:rPr>
-              <a:t>1</a:t>
-            </a:r>
-            <a:endParaRPr lang="en-US" sz="5400" b="1" cap="none" spc="0" dirty="0">
-              <a:ln w="6600">
-                <a:solidFill>
-                  <a:schemeClr val="accent2"/>
-                </a:solidFill>
-                <a:prstDash val="solid"/>
-              </a:ln>
-              <a:solidFill>
-                <a:srgbClr val="FFFFFF"/>
-              </a:solidFill>
-              <a:effectLst>
-                <a:outerShdw dist="38100" dir="2700000" algn="tl" rotWithShape="0">
-                  <a:schemeClr val="accent2"/>
-                </a:outerShdw>
-              </a:effectLst>
-            </a:endParaRPr>
-          </a:p>
-        </p:txBody>
-      </p:sp>
-      <p:sp>
-        <p:nvSpPr>
-          <p:cNvPr id="8" name="Rectangle 7">
-            <a:extLst>
-              <a:ext uri="{FF2B5EF4-FFF2-40B4-BE49-F238E27FC236}">
-                <a16:creationId xmlns:a16="http://schemas.microsoft.com/office/drawing/2014/main" xmlns="" id="{9A0DF3A1-7C0C-4F2B-AC19-D85A14774D75}"/>
-              </a:ext>
-            </a:extLst>
-          </p:cNvPr>
-          <p:cNvSpPr/>
-          <p:nvPr/>
-        </p:nvSpPr>
-        <p:spPr>
-          <a:xfrm>
-            <a:off x="989052" y="127615"/>
-            <a:ext cx="7615290" cy="1200329"/>
-          </a:xfrm>
-          <a:prstGeom prst="rect">
-            <a:avLst/>
-          </a:prstGeom>
-          <a:noFill/>
-        </p:spPr>
-        <p:txBody>
-          <a:bodyPr wrap="none" lIns="91440" tIns="45720" rIns="91440" bIns="45720">
-            <a:spAutoFit/>
-          </a:bodyPr>
-          <a:lstStyle/>
-          <a:p>
-            <a:pPr algn="ctr"/>
-            <a:r>
-              <a:rPr lang="en-US" sz="3600" b="1" cap="none" spc="0" dirty="0">
-                <a:ln w="12700">
-                  <a:solidFill>
-                    <a:schemeClr val="accent1"/>
-                  </a:solidFill>
-                  <a:prstDash val="solid"/>
-                </a:ln>
-                <a:solidFill>
-                  <a:srgbClr val="FFFF00"/>
-                </a:solidFill>
-                <a:effectLst>
-                  <a:outerShdw dist="38100" dir="2640000" algn="bl" rotWithShape="0">
-                    <a:schemeClr val="accent1"/>
-                  </a:outerShdw>
-                </a:effectLst>
-              </a:rPr>
-              <a:t>Matemática – Subtração – Resolvendo </a:t>
-            </a:r>
-          </a:p>
-          <a:p>
-            <a:pPr algn="ctr"/>
-            <a:r>
-              <a:rPr lang="en-US" sz="3600" b="1" cap="none" spc="0" dirty="0">
-                <a:ln w="12700">
-                  <a:solidFill>
-                    <a:schemeClr val="accent1"/>
-                  </a:solidFill>
-                  <a:prstDash val="solid"/>
-                </a:ln>
-                <a:solidFill>
-                  <a:srgbClr val="FFFF00"/>
-                </a:solidFill>
-                <a:effectLst>
-                  <a:outerShdw dist="38100" dir="2640000" algn="bl" rotWithShape="0">
-                    <a:schemeClr val="accent1"/>
-                  </a:outerShdw>
-                </a:effectLst>
-              </a:rPr>
-              <a:t>Exercícios Aplicando as Regras</a:t>
-            </a:r>
-          </a:p>
-        </p:txBody>
-      </p:sp>
-      <p:sp>
-        <p:nvSpPr>
-          <p:cNvPr id="16" name="Rectangle 15">
-            <a:extLst>
-              <a:ext uri="{FF2B5EF4-FFF2-40B4-BE49-F238E27FC236}">
-                <a16:creationId xmlns:a16="http://schemas.microsoft.com/office/drawing/2014/main" xmlns="" id="{CC027118-16A8-4813-87CE-9A7C47C5D9B7}"/>
-              </a:ext>
-            </a:extLst>
-          </p:cNvPr>
-          <p:cNvSpPr/>
-          <p:nvPr/>
-        </p:nvSpPr>
-        <p:spPr>
-          <a:xfrm>
-            <a:off x="355508" y="1850321"/>
-            <a:ext cx="4539877" cy="2923877"/>
-          </a:xfrm>
-          <a:prstGeom prst="rect">
-            <a:avLst/>
-          </a:prstGeom>
-          <a:solidFill>
-            <a:srgbClr val="7030A0"/>
-          </a:solidFill>
-        </p:spPr>
-        <p:txBody>
-          <a:bodyPr wrap="square" lIns="91440" tIns="45720" rIns="91440" bIns="45720">
-            <a:spAutoFit/>
-          </a:bodyPr>
-          <a:lstStyle/>
-          <a:p>
-            <a:r>
-              <a:rPr lang="pt-BR" sz="2300" b="1" dirty="0">
-                <a:ln w="0"/>
-                <a:solidFill>
-                  <a:srgbClr val="FFFF00"/>
-                </a:solidFill>
-                <a:effectLst>
-                  <a:outerShdw blurRad="38100" dist="19050" dir="2700000" algn="tl" rotWithShape="0">
-                    <a:schemeClr val="dk1">
-                      <a:alpha val="40000"/>
-                    </a:schemeClr>
-                  </a:outerShdw>
-                </a:effectLst>
-              </a:rPr>
-              <a:t>QUESTÃO 01</a:t>
-            </a:r>
-          </a:p>
-          <a:p>
-            <a:r>
-              <a:rPr lang="pt-BR" sz="2300" dirty="0">
-                <a:ln w="0"/>
-                <a:solidFill>
-                  <a:schemeClr val="bg1"/>
-                </a:solidFill>
-                <a:effectLst>
-                  <a:outerShdw blurRad="38100" dist="19050" dir="2700000" algn="tl" rotWithShape="0">
-                    <a:schemeClr val="dk1">
-                      <a:alpha val="40000"/>
-                    </a:schemeClr>
-                  </a:outerShdw>
-                </a:effectLst>
-              </a:rPr>
-              <a:t>Uma fábrica de sapatos possui 4989 pares de calçados em estoque e recebe um pedido de um único cliente, de 5235 pares de calçados. Quantas unidades de calçados sobraram em estoque após a entrega desse pedido?</a:t>
-            </a:r>
-          </a:p>
-        </p:txBody>
-      </p:sp>
-      <p:sp>
-        <p:nvSpPr>
-          <p:cNvPr id="9" name="Oval 8">
-            <a:extLst>
-              <a:ext uri="{FF2B5EF4-FFF2-40B4-BE49-F238E27FC236}">
-                <a16:creationId xmlns:a16="http://schemas.microsoft.com/office/drawing/2014/main" xmlns="" id="{72159732-2FD7-40C3-847F-C64BA2CBCD04}"/>
+                <a16:creationId xmlns="" xmlns:a16="http://schemas.microsoft.com/office/drawing/2014/main" id="{72159732-2FD7-40C3-847F-C64BA2CBCD04}"/>
               </a:ext>
             </a:extLst>
           </p:cNvPr>
@@ -10720,7 +10974,7 @@
           <p:cNvPr id="11" name="Rectangle 10">
             <a:extLst>
               <a:ext uri="{FF2B5EF4-FFF2-40B4-BE49-F238E27FC236}">
-                <a16:creationId xmlns:a16="http://schemas.microsoft.com/office/drawing/2014/main" xmlns="" id="{6E5DEFFA-7194-4F73-A87C-EAC51F65A74A}"/>
+                <a16:creationId xmlns="" xmlns:a16="http://schemas.microsoft.com/office/drawing/2014/main" id="{6E5DEFFA-7194-4F73-A87C-EAC51F65A74A}"/>
               </a:ext>
             </a:extLst>
           </p:cNvPr>
@@ -10798,7 +11052,7 @@
           <p:cNvPr id="13" name="Rectangle 12">
             <a:extLst>
               <a:ext uri="{FF2B5EF4-FFF2-40B4-BE49-F238E27FC236}">
-                <a16:creationId xmlns:a16="http://schemas.microsoft.com/office/drawing/2014/main" xmlns="" id="{8D9F6370-7C37-4B7C-ADDE-D548779D4980}"/>
+                <a16:creationId xmlns="" xmlns:a16="http://schemas.microsoft.com/office/drawing/2014/main" id="{8D9F6370-7C37-4B7C-ADDE-D548779D4980}"/>
               </a:ext>
             </a:extLst>
           </p:cNvPr>
@@ -10866,6 +11120,13 @@
   <p:transition spd="slow">
     <p:wipe/>
   </p:transition>
+  <p:timing>
+    <p:tnLst>
+      <p:par>
+        <p:cTn id="1" dur="indefinite" restart="never" nodeType="tmRoot"/>
+      </p:par>
+    </p:tnLst>
+  </p:timing>
 </p:sld>
 </file>
 
@@ -10891,7 +11152,7 @@
           <p:cNvPr id="5" name="Rectangle 4">
             <a:extLst>
               <a:ext uri="{FF2B5EF4-FFF2-40B4-BE49-F238E27FC236}">
-                <a16:creationId xmlns:a16="http://schemas.microsoft.com/office/drawing/2014/main" xmlns="" id="{6B3D22E0-3304-47C3-A13D-F3314EEBFA56}"/>
+                <a16:creationId xmlns="" xmlns:a16="http://schemas.microsoft.com/office/drawing/2014/main" id="{6B3D22E0-3304-47C3-A13D-F3314EEBFA56}"/>
               </a:ext>
             </a:extLst>
           </p:cNvPr>
@@ -10975,7 +11236,7 @@
           <p:cNvPr id="14" name="Arrow: Right 13">
             <a:extLst>
               <a:ext uri="{FF2B5EF4-FFF2-40B4-BE49-F238E27FC236}">
-                <a16:creationId xmlns:a16="http://schemas.microsoft.com/office/drawing/2014/main" xmlns="" id="{796CEA44-310B-44B9-9452-370144CD966E}"/>
+                <a16:creationId xmlns="" xmlns:a16="http://schemas.microsoft.com/office/drawing/2014/main" id="{796CEA44-310B-44B9-9452-370144CD966E}"/>
               </a:ext>
             </a:extLst>
           </p:cNvPr>
@@ -11029,7 +11290,7 @@
           <p:cNvPr id="13" name="Rectangle 12">
             <a:extLst>
               <a:ext uri="{FF2B5EF4-FFF2-40B4-BE49-F238E27FC236}">
-                <a16:creationId xmlns:a16="http://schemas.microsoft.com/office/drawing/2014/main" xmlns="" id="{10403570-33C6-4D52-8ECF-EC0A6BFC6193}"/>
+                <a16:creationId xmlns="" xmlns:a16="http://schemas.microsoft.com/office/drawing/2014/main" id="{10403570-33C6-4D52-8ECF-EC0A6BFC6193}"/>
               </a:ext>
             </a:extLst>
           </p:cNvPr>
@@ -11187,7 +11448,7 @@
           <p:cNvPr id="17" name="Rectangle 16">
             <a:extLst>
               <a:ext uri="{FF2B5EF4-FFF2-40B4-BE49-F238E27FC236}">
-                <a16:creationId xmlns:a16="http://schemas.microsoft.com/office/drawing/2014/main" xmlns="" id="{020A49D6-E5FF-4E4D-958D-0C4AE40BDB69}"/>
+                <a16:creationId xmlns="" xmlns:a16="http://schemas.microsoft.com/office/drawing/2014/main" id="{020A49D6-E5FF-4E4D-958D-0C4AE40BDB69}"/>
               </a:ext>
             </a:extLst>
           </p:cNvPr>
@@ -11293,7 +11554,7 @@
           <p:cNvPr id="5" name="Rectangle 4">
             <a:extLst>
               <a:ext uri="{FF2B5EF4-FFF2-40B4-BE49-F238E27FC236}">
-                <a16:creationId xmlns:a16="http://schemas.microsoft.com/office/drawing/2014/main" xmlns="" id="{6B3D22E0-3304-47C3-A13D-F3314EEBFA56}"/>
+                <a16:creationId xmlns="" xmlns:a16="http://schemas.microsoft.com/office/drawing/2014/main" id="{6B3D22E0-3304-47C3-A13D-F3314EEBFA56}"/>
               </a:ext>
             </a:extLst>
           </p:cNvPr>
@@ -11377,7 +11638,7 @@
           <p:cNvPr id="8" name="Rectangle 7">
             <a:extLst>
               <a:ext uri="{FF2B5EF4-FFF2-40B4-BE49-F238E27FC236}">
-                <a16:creationId xmlns:a16="http://schemas.microsoft.com/office/drawing/2014/main" xmlns="" id="{9A0DF3A1-7C0C-4F2B-AC19-D85A14774D75}"/>
+                <a16:creationId xmlns="" xmlns:a16="http://schemas.microsoft.com/office/drawing/2014/main" id="{9A0DF3A1-7C0C-4F2B-AC19-D85A14774D75}"/>
               </a:ext>
             </a:extLst>
           </p:cNvPr>
@@ -11450,7 +11711,7 @@
           <p:cNvPr id="9" name="Oval 8">
             <a:extLst>
               <a:ext uri="{FF2B5EF4-FFF2-40B4-BE49-F238E27FC236}">
-                <a16:creationId xmlns:a16="http://schemas.microsoft.com/office/drawing/2014/main" xmlns="" id="{72159732-2FD7-40C3-847F-C64BA2CBCD04}"/>
+                <a16:creationId xmlns="" xmlns:a16="http://schemas.microsoft.com/office/drawing/2014/main" id="{72159732-2FD7-40C3-847F-C64BA2CBCD04}"/>
               </a:ext>
             </a:extLst>
           </p:cNvPr>
@@ -11496,7 +11757,7 @@
           <p:cNvPr id="11" name="Rectangle 10">
             <a:extLst>
               <a:ext uri="{FF2B5EF4-FFF2-40B4-BE49-F238E27FC236}">
-                <a16:creationId xmlns:a16="http://schemas.microsoft.com/office/drawing/2014/main" xmlns="" id="{6E5DEFFA-7194-4F73-A87C-EAC51F65A74A}"/>
+                <a16:creationId xmlns="" xmlns:a16="http://schemas.microsoft.com/office/drawing/2014/main" id="{6E5DEFFA-7194-4F73-A87C-EAC51F65A74A}"/>
               </a:ext>
             </a:extLst>
           </p:cNvPr>
@@ -11574,7 +11835,7 @@
           <p:cNvPr id="10" name="Rectangle 9">
             <a:extLst>
               <a:ext uri="{FF2B5EF4-FFF2-40B4-BE49-F238E27FC236}">
-                <a16:creationId xmlns:a16="http://schemas.microsoft.com/office/drawing/2014/main" xmlns="" id="{0B5B70DA-4803-4400-9B78-44647265DEDD}"/>
+                <a16:creationId xmlns="" xmlns:a16="http://schemas.microsoft.com/office/drawing/2014/main" id="{0B5B70DA-4803-4400-9B78-44647265DEDD}"/>
               </a:ext>
             </a:extLst>
           </p:cNvPr>
@@ -11732,7 +11993,7 @@
           <p:cNvPr id="12" name="Rectangle 11">
             <a:extLst>
               <a:ext uri="{FF2B5EF4-FFF2-40B4-BE49-F238E27FC236}">
-                <a16:creationId xmlns:a16="http://schemas.microsoft.com/office/drawing/2014/main" xmlns="" id="{90D7CBB2-7C4B-4A5B-AD24-C294E37161CB}"/>
+                <a16:creationId xmlns="" xmlns:a16="http://schemas.microsoft.com/office/drawing/2014/main" id="{90D7CBB2-7C4B-4A5B-AD24-C294E37161CB}"/>
               </a:ext>
             </a:extLst>
           </p:cNvPr>
@@ -11825,7 +12086,7 @@
           <p:cNvPr id="5" name="Rectangle 4">
             <a:extLst>
               <a:ext uri="{FF2B5EF4-FFF2-40B4-BE49-F238E27FC236}">
-                <a16:creationId xmlns:a16="http://schemas.microsoft.com/office/drawing/2014/main" xmlns="" id="{6B3D22E0-3304-47C3-A13D-F3314EEBFA56}"/>
+                <a16:creationId xmlns="" xmlns:a16="http://schemas.microsoft.com/office/drawing/2014/main" id="{6B3D22E0-3304-47C3-A13D-F3314EEBFA56}"/>
               </a:ext>
             </a:extLst>
           </p:cNvPr>
@@ -11909,7 +12170,7 @@
           <p:cNvPr id="8" name="Rectangle 7">
             <a:extLst>
               <a:ext uri="{FF2B5EF4-FFF2-40B4-BE49-F238E27FC236}">
-                <a16:creationId xmlns:a16="http://schemas.microsoft.com/office/drawing/2014/main" xmlns="" id="{9A0DF3A1-7C0C-4F2B-AC19-D85A14774D75}"/>
+                <a16:creationId xmlns="" xmlns:a16="http://schemas.microsoft.com/office/drawing/2014/main" id="{9A0DF3A1-7C0C-4F2B-AC19-D85A14774D75}"/>
               </a:ext>
             </a:extLst>
           </p:cNvPr>
@@ -11982,7 +12243,7 @@
           <p:cNvPr id="9" name="Oval 8">
             <a:extLst>
               <a:ext uri="{FF2B5EF4-FFF2-40B4-BE49-F238E27FC236}">
-                <a16:creationId xmlns:a16="http://schemas.microsoft.com/office/drawing/2014/main" xmlns="" id="{72159732-2FD7-40C3-847F-C64BA2CBCD04}"/>
+                <a16:creationId xmlns="" xmlns:a16="http://schemas.microsoft.com/office/drawing/2014/main" id="{72159732-2FD7-40C3-847F-C64BA2CBCD04}"/>
               </a:ext>
             </a:extLst>
           </p:cNvPr>
@@ -12028,7 +12289,7 @@
           <p:cNvPr id="11" name="Rectangle 10">
             <a:extLst>
               <a:ext uri="{FF2B5EF4-FFF2-40B4-BE49-F238E27FC236}">
-                <a16:creationId xmlns:a16="http://schemas.microsoft.com/office/drawing/2014/main" xmlns="" id="{6E5DEFFA-7194-4F73-A87C-EAC51F65A74A}"/>
+                <a16:creationId xmlns="" xmlns:a16="http://schemas.microsoft.com/office/drawing/2014/main" id="{6E5DEFFA-7194-4F73-A87C-EAC51F65A74A}"/>
               </a:ext>
             </a:extLst>
           </p:cNvPr>
@@ -12106,7 +12367,7 @@
           <p:cNvPr id="10" name="Rectangle 9">
             <a:extLst>
               <a:ext uri="{FF2B5EF4-FFF2-40B4-BE49-F238E27FC236}">
-                <a16:creationId xmlns:a16="http://schemas.microsoft.com/office/drawing/2014/main" xmlns="" id="{0B5B70DA-4803-4400-9B78-44647265DEDD}"/>
+                <a16:creationId xmlns="" xmlns:a16="http://schemas.microsoft.com/office/drawing/2014/main" id="{0B5B70DA-4803-4400-9B78-44647265DEDD}"/>
               </a:ext>
             </a:extLst>
           </p:cNvPr>
@@ -12264,7 +12525,7 @@
           <p:cNvPr id="12" name="Rectangle 11">
             <a:extLst>
               <a:ext uri="{FF2B5EF4-FFF2-40B4-BE49-F238E27FC236}">
-                <a16:creationId xmlns:a16="http://schemas.microsoft.com/office/drawing/2014/main" xmlns="" id="{90D7CBB2-7C4B-4A5B-AD24-C294E37161CB}"/>
+                <a16:creationId xmlns="" xmlns:a16="http://schemas.microsoft.com/office/drawing/2014/main" id="{90D7CBB2-7C4B-4A5B-AD24-C294E37161CB}"/>
               </a:ext>
             </a:extLst>
           </p:cNvPr>
@@ -12324,7 +12585,7 @@
           <p:cNvPr id="13" name="Table 12">
             <a:extLst>
               <a:ext uri="{FF2B5EF4-FFF2-40B4-BE49-F238E27FC236}">
-                <a16:creationId xmlns:a16="http://schemas.microsoft.com/office/drawing/2014/main" xmlns="" id="{9B0F7DF4-72A9-4AA6-A24C-EB98E6574144}"/>
+                <a16:creationId xmlns="" xmlns:a16="http://schemas.microsoft.com/office/drawing/2014/main" id="{9B0F7DF4-72A9-4AA6-A24C-EB98E6574144}"/>
               </a:ext>
             </a:extLst>
           </p:cNvPr>
@@ -12353,28 +12614,28 @@
                 <a:gridCol w="834080">
                   <a:extLst>
                     <a:ext uri="{9D8B030D-6E8A-4147-A177-3AD203B41FA5}">
-                      <a16:colId xmlns:a16="http://schemas.microsoft.com/office/drawing/2014/main" xmlns="" val="2514592082"/>
+                      <a16:colId xmlns="" xmlns:a16="http://schemas.microsoft.com/office/drawing/2014/main" val="2514592082"/>
                     </a:ext>
                   </a:extLst>
                 </a:gridCol>
                 <a:gridCol w="834080">
                   <a:extLst>
                     <a:ext uri="{9D8B030D-6E8A-4147-A177-3AD203B41FA5}">
-                      <a16:colId xmlns:a16="http://schemas.microsoft.com/office/drawing/2014/main" xmlns="" val="1972351707"/>
+                      <a16:colId xmlns="" xmlns:a16="http://schemas.microsoft.com/office/drawing/2014/main" val="1972351707"/>
                     </a:ext>
                   </a:extLst>
                 </a:gridCol>
                 <a:gridCol w="834080">
                   <a:extLst>
                     <a:ext uri="{9D8B030D-6E8A-4147-A177-3AD203B41FA5}">
-                      <a16:colId xmlns:a16="http://schemas.microsoft.com/office/drawing/2014/main" xmlns="" val="130078612"/>
+                      <a16:colId xmlns="" xmlns:a16="http://schemas.microsoft.com/office/drawing/2014/main" val="130078612"/>
                     </a:ext>
                   </a:extLst>
                 </a:gridCol>
                 <a:gridCol w="834080">
                   <a:extLst>
                     <a:ext uri="{9D8B030D-6E8A-4147-A177-3AD203B41FA5}">
-                      <a16:colId xmlns:a16="http://schemas.microsoft.com/office/drawing/2014/main" xmlns="" val="3594532491"/>
+                      <a16:colId xmlns="" xmlns:a16="http://schemas.microsoft.com/office/drawing/2014/main" val="3594532491"/>
                     </a:ext>
                   </a:extLst>
                 </a:gridCol>
@@ -12544,7 +12805,7 @@
                 </a:tc>
                 <a:extLst>
                   <a:ext uri="{0D108BD9-81ED-4DB2-BD59-A6C34878D82A}">
-                    <a16:rowId xmlns:a16="http://schemas.microsoft.com/office/drawing/2014/main" xmlns="" val="1648878484"/>
+                    <a16:rowId xmlns="" xmlns:a16="http://schemas.microsoft.com/office/drawing/2014/main" val="1648878484"/>
                   </a:ext>
                 </a:extLst>
               </a:tr>
@@ -12727,7 +12988,7 @@
                 </a:tc>
                 <a:extLst>
                   <a:ext uri="{0D108BD9-81ED-4DB2-BD59-A6C34878D82A}">
-                    <a16:rowId xmlns:a16="http://schemas.microsoft.com/office/drawing/2014/main" xmlns="" val="3110016024"/>
+                    <a16:rowId xmlns="" xmlns:a16="http://schemas.microsoft.com/office/drawing/2014/main" val="3110016024"/>
                   </a:ext>
                 </a:extLst>
               </a:tr>
@@ -12926,7 +13187,7 @@
                 </a:tc>
                 <a:extLst>
                   <a:ext uri="{0D108BD9-81ED-4DB2-BD59-A6C34878D82A}">
-                    <a16:rowId xmlns:a16="http://schemas.microsoft.com/office/drawing/2014/main" xmlns="" val="2530068117"/>
+                    <a16:rowId xmlns="" xmlns:a16="http://schemas.microsoft.com/office/drawing/2014/main" val="2530068117"/>
                   </a:ext>
                 </a:extLst>
               </a:tr>
@@ -13116,7 +13377,7 @@
                 </a:tc>
                 <a:extLst>
                   <a:ext uri="{0D108BD9-81ED-4DB2-BD59-A6C34878D82A}">
-                    <a16:rowId xmlns:a16="http://schemas.microsoft.com/office/drawing/2014/main" xmlns="" val="1712611614"/>
+                    <a16:rowId xmlns="" xmlns:a16="http://schemas.microsoft.com/office/drawing/2014/main" val="1712611614"/>
                   </a:ext>
                 </a:extLst>
               </a:tr>
@@ -13129,7 +13390,7 @@
           <p:cNvPr id="14" name="Rectangle 13">
             <a:extLst>
               <a:ext uri="{FF2B5EF4-FFF2-40B4-BE49-F238E27FC236}">
-                <a16:creationId xmlns:a16="http://schemas.microsoft.com/office/drawing/2014/main" xmlns="" id="{87730940-FC21-4C3B-8CB1-5970F45710D8}"/>
+                <a16:creationId xmlns="" xmlns:a16="http://schemas.microsoft.com/office/drawing/2014/main" id="{87730940-FC21-4C3B-8CB1-5970F45710D8}"/>
               </a:ext>
             </a:extLst>
           </p:cNvPr>
